--- a/docs/languages/ruby/ruby1995.pptx
+++ b/docs/languages/ruby/ruby1995.pptx
@@ -131,7 +131,7 @@
 <file path=ppt/revisionInfo.xml><?xml version="1.0" encoding="utf-8"?>
 <p1510:revInfo xmlns:a="http://schemas.openxmlformats.org/drawingml/2006/main" xmlns:r="http://schemas.openxmlformats.org/officeDocument/2006/relationships" xmlns:p1510="http://schemas.microsoft.com/office/powerpoint/2015/10/main">
   <p1510:revLst>
-    <p1510:client id="{2C3188EB-0659-4694-96B2-D9090C697809}" v="188" dt="2022-04-29T02:17:16.002"/>
+    <p1510:client id="{9EE27B8B-17D5-4A7A-8D00-A82DA98069CF}" v="4" dt="2022-05-21T19:44:47.779"/>
   </p1510:revLst>
 </p1510:revInfo>
 </file>
@@ -242,6 +242,113 @@
             <pc:docMk/>
             <pc:sldMk cId="598291729" sldId="278"/>
             <ac:spMk id="7" creationId="{729F9EAB-E96A-4A13-B339-346BBE62D038}"/>
+          </ac:spMkLst>
+        </pc:spChg>
+      </pc:sldChg>
+    </pc:docChg>
+  </pc:docChgLst>
+  <pc:docChgLst>
+    <pc:chgData name="Toby Donaldson" userId="2e6e5431-bb17-4c41-9985-d39c50d83c73" providerId="ADAL" clId="{9EE27B8B-17D5-4A7A-8D00-A82DA98069CF}"/>
+    <pc:docChg chg="custSel modSld">
+      <pc:chgData name="Toby Donaldson" userId="2e6e5431-bb17-4c41-9985-d39c50d83c73" providerId="ADAL" clId="{9EE27B8B-17D5-4A7A-8D00-A82DA98069CF}" dt="2022-05-21T19:45:41.939" v="365" actId="1076"/>
+      <pc:docMkLst>
+        <pc:docMk/>
+      </pc:docMkLst>
+      <pc:sldChg chg="addSp modSp mod">
+        <pc:chgData name="Toby Donaldson" userId="2e6e5431-bb17-4c41-9985-d39c50d83c73" providerId="ADAL" clId="{9EE27B8B-17D5-4A7A-8D00-A82DA98069CF}" dt="2022-05-21T19:45:41.939" v="365" actId="1076"/>
+        <pc:sldMkLst>
+          <pc:docMk/>
+          <pc:sldMk cId="2414411496" sldId="260"/>
+        </pc:sldMkLst>
+        <pc:spChg chg="add mod">
+          <ac:chgData name="Toby Donaldson" userId="2e6e5431-bb17-4c41-9985-d39c50d83c73" providerId="ADAL" clId="{9EE27B8B-17D5-4A7A-8D00-A82DA98069CF}" dt="2022-05-21T19:45:41.939" v="365" actId="1076"/>
+          <ac:spMkLst>
+            <pc:docMk/>
+            <pc:sldMk cId="2414411496" sldId="260"/>
+            <ac:spMk id="4" creationId="{C3A04A1B-1BE7-D428-5EE3-94258555B527}"/>
+          </ac:spMkLst>
+        </pc:spChg>
+      </pc:sldChg>
+      <pc:sldChg chg="addSp modSp mod">
+        <pc:chgData name="Toby Donaldson" userId="2e6e5431-bb17-4c41-9985-d39c50d83c73" providerId="ADAL" clId="{9EE27B8B-17D5-4A7A-8D00-A82DA98069CF}" dt="2022-05-21T19:38:22.658" v="11" actId="1076"/>
+        <pc:sldMkLst>
+          <pc:docMk/>
+          <pc:sldMk cId="247949623" sldId="261"/>
+        </pc:sldMkLst>
+        <pc:spChg chg="add mod">
+          <ac:chgData name="Toby Donaldson" userId="2e6e5431-bb17-4c41-9985-d39c50d83c73" providerId="ADAL" clId="{9EE27B8B-17D5-4A7A-8D00-A82DA98069CF}" dt="2022-05-21T19:38:22.658" v="11" actId="1076"/>
+          <ac:spMkLst>
+            <pc:docMk/>
+            <pc:sldMk cId="247949623" sldId="261"/>
+            <ac:spMk id="4" creationId="{AF88C1E1-6D97-DDB8-3E24-CCEC7D5AF83B}"/>
+          </ac:spMkLst>
+        </pc:spChg>
+      </pc:sldChg>
+      <pc:sldChg chg="delSp mod">
+        <pc:chgData name="Toby Donaldson" userId="2e6e5431-bb17-4c41-9985-d39c50d83c73" providerId="ADAL" clId="{9EE27B8B-17D5-4A7A-8D00-A82DA98069CF}" dt="2022-05-21T19:38:15.177" v="9" actId="21"/>
+        <pc:sldMkLst>
+          <pc:docMk/>
+          <pc:sldMk cId="1760816993" sldId="264"/>
+        </pc:sldMkLst>
+        <pc:spChg chg="del">
+          <ac:chgData name="Toby Donaldson" userId="2e6e5431-bb17-4c41-9985-d39c50d83c73" providerId="ADAL" clId="{9EE27B8B-17D5-4A7A-8D00-A82DA98069CF}" dt="2022-05-21T19:38:15.177" v="9" actId="21"/>
+          <ac:spMkLst>
+            <pc:docMk/>
+            <pc:sldMk cId="1760816993" sldId="264"/>
+            <ac:spMk id="4" creationId="{7ECBB552-C455-49CB-8B30-2880096E2410}"/>
+          </ac:spMkLst>
+        </pc:spChg>
+      </pc:sldChg>
+      <pc:sldChg chg="modSp mod">
+        <pc:chgData name="Toby Donaldson" userId="2e6e5431-bb17-4c41-9985-d39c50d83c73" providerId="ADAL" clId="{9EE27B8B-17D5-4A7A-8D00-A82DA98069CF}" dt="2022-05-21T19:43:11.006" v="181" actId="20577"/>
+        <pc:sldMkLst>
+          <pc:docMk/>
+          <pc:sldMk cId="2072605454" sldId="270"/>
+        </pc:sldMkLst>
+        <pc:spChg chg="mod">
+          <ac:chgData name="Toby Donaldson" userId="2e6e5431-bb17-4c41-9985-d39c50d83c73" providerId="ADAL" clId="{9EE27B8B-17D5-4A7A-8D00-A82DA98069CF}" dt="2022-05-21T19:42:56.582" v="165" actId="313"/>
+          <ac:spMkLst>
+            <pc:docMk/>
+            <pc:sldMk cId="2072605454" sldId="270"/>
+            <ac:spMk id="3" creationId="{9D85EADE-0C03-49DA-BB59-0942833F47FA}"/>
+          </ac:spMkLst>
+        </pc:spChg>
+        <pc:spChg chg="mod">
+          <ac:chgData name="Toby Donaldson" userId="2e6e5431-bb17-4c41-9985-d39c50d83c73" providerId="ADAL" clId="{9EE27B8B-17D5-4A7A-8D00-A82DA98069CF}" dt="2022-05-21T19:43:11.006" v="181" actId="20577"/>
+          <ac:spMkLst>
+            <pc:docMk/>
+            <pc:sldMk cId="2072605454" sldId="270"/>
+            <ac:spMk id="6" creationId="{D47E401A-84BD-4DD8-8927-0E34EE1044A2}"/>
+          </ac:spMkLst>
+        </pc:spChg>
+      </pc:sldChg>
+      <pc:sldChg chg="modSp mod">
+        <pc:chgData name="Toby Donaldson" userId="2e6e5431-bb17-4c41-9985-d39c50d83c73" providerId="ADAL" clId="{9EE27B8B-17D5-4A7A-8D00-A82DA98069CF}" dt="2022-05-21T19:40:33.937" v="14" actId="20577"/>
+        <pc:sldMkLst>
+          <pc:docMk/>
+          <pc:sldMk cId="1031835898" sldId="272"/>
+        </pc:sldMkLst>
+        <pc:spChg chg="mod">
+          <ac:chgData name="Toby Donaldson" userId="2e6e5431-bb17-4c41-9985-d39c50d83c73" providerId="ADAL" clId="{9EE27B8B-17D5-4A7A-8D00-A82DA98069CF}" dt="2022-05-21T19:40:33.937" v="14" actId="20577"/>
+          <ac:spMkLst>
+            <pc:docMk/>
+            <pc:sldMk cId="1031835898" sldId="272"/>
+            <ac:spMk id="4" creationId="{8D140EF2-7A80-4170-96C7-C567343A91EE}"/>
+          </ac:spMkLst>
+        </pc:spChg>
+      </pc:sldChg>
+      <pc:sldChg chg="modSp mod">
+        <pc:chgData name="Toby Donaldson" userId="2e6e5431-bb17-4c41-9985-d39c50d83c73" providerId="ADAL" clId="{9EE27B8B-17D5-4A7A-8D00-A82DA98069CF}" dt="2022-05-21T19:39:04.415" v="12" actId="20577"/>
+        <pc:sldMkLst>
+          <pc:docMk/>
+          <pc:sldMk cId="3886036611" sldId="279"/>
+        </pc:sldMkLst>
+        <pc:spChg chg="mod">
+          <ac:chgData name="Toby Donaldson" userId="2e6e5431-bb17-4c41-9985-d39c50d83c73" providerId="ADAL" clId="{9EE27B8B-17D5-4A7A-8D00-A82DA98069CF}" dt="2022-05-21T19:39:04.415" v="12" actId="20577"/>
+          <ac:spMkLst>
+            <pc:docMk/>
+            <pc:sldMk cId="3886036611" sldId="279"/>
+            <ac:spMk id="8" creationId="{83AEB31E-9A7A-4B21-8085-7EB50EDFD1F7}"/>
           </ac:spMkLst>
         </pc:spChg>
       </pc:sldChg>
@@ -2656,7 +2763,7 @@
           <a:p>
             <a:fld id="{C65E533D-5A30-424C-ADAA-EBA918E78813}" type="datetimeFigureOut">
               <a:rPr lang="en-AU" smtClean="0"/>
-              <a:t>28/04/2022</a:t>
+              <a:t>21/05/2022</a:t>
             </a:fld>
             <a:endParaRPr lang="en-AU"/>
           </a:p>
@@ -2856,7 +2963,7 @@
           <a:p>
             <a:fld id="{C65E533D-5A30-424C-ADAA-EBA918E78813}" type="datetimeFigureOut">
               <a:rPr lang="en-AU" smtClean="0"/>
-              <a:t>28/04/2022</a:t>
+              <a:t>21/05/2022</a:t>
             </a:fld>
             <a:endParaRPr lang="en-AU"/>
           </a:p>
@@ -3066,7 +3173,7 @@
           <a:p>
             <a:fld id="{C65E533D-5A30-424C-ADAA-EBA918E78813}" type="datetimeFigureOut">
               <a:rPr lang="en-AU" smtClean="0"/>
-              <a:t>28/04/2022</a:t>
+              <a:t>21/05/2022</a:t>
             </a:fld>
             <a:endParaRPr lang="en-AU"/>
           </a:p>
@@ -3266,7 +3373,7 @@
           <a:p>
             <a:fld id="{C65E533D-5A30-424C-ADAA-EBA918E78813}" type="datetimeFigureOut">
               <a:rPr lang="en-AU" smtClean="0"/>
-              <a:t>28/04/2022</a:t>
+              <a:t>21/05/2022</a:t>
             </a:fld>
             <a:endParaRPr lang="en-AU"/>
           </a:p>
@@ -3542,7 +3649,7 @@
           <a:p>
             <a:fld id="{C65E533D-5A30-424C-ADAA-EBA918E78813}" type="datetimeFigureOut">
               <a:rPr lang="en-AU" smtClean="0"/>
-              <a:t>28/04/2022</a:t>
+              <a:t>21/05/2022</a:t>
             </a:fld>
             <a:endParaRPr lang="en-AU"/>
           </a:p>
@@ -3810,7 +3917,7 @@
           <a:p>
             <a:fld id="{C65E533D-5A30-424C-ADAA-EBA918E78813}" type="datetimeFigureOut">
               <a:rPr lang="en-AU" smtClean="0"/>
-              <a:t>28/04/2022</a:t>
+              <a:t>21/05/2022</a:t>
             </a:fld>
             <a:endParaRPr lang="en-AU"/>
           </a:p>
@@ -4225,7 +4332,7 @@
           <a:p>
             <a:fld id="{C65E533D-5A30-424C-ADAA-EBA918E78813}" type="datetimeFigureOut">
               <a:rPr lang="en-AU" smtClean="0"/>
-              <a:t>28/04/2022</a:t>
+              <a:t>21/05/2022</a:t>
             </a:fld>
             <a:endParaRPr lang="en-AU"/>
           </a:p>
@@ -4367,7 +4474,7 @@
           <a:p>
             <a:fld id="{C65E533D-5A30-424C-ADAA-EBA918E78813}" type="datetimeFigureOut">
               <a:rPr lang="en-AU" smtClean="0"/>
-              <a:t>28/04/2022</a:t>
+              <a:t>21/05/2022</a:t>
             </a:fld>
             <a:endParaRPr lang="en-AU"/>
           </a:p>
@@ -4480,7 +4587,7 @@
           <a:p>
             <a:fld id="{C65E533D-5A30-424C-ADAA-EBA918E78813}" type="datetimeFigureOut">
               <a:rPr lang="en-AU" smtClean="0"/>
-              <a:t>28/04/2022</a:t>
+              <a:t>21/05/2022</a:t>
             </a:fld>
             <a:endParaRPr lang="en-AU"/>
           </a:p>
@@ -4793,7 +4900,7 @@
           <a:p>
             <a:fld id="{C65E533D-5A30-424C-ADAA-EBA918E78813}" type="datetimeFigureOut">
               <a:rPr lang="en-AU" smtClean="0"/>
-              <a:t>28/04/2022</a:t>
+              <a:t>21/05/2022</a:t>
             </a:fld>
             <a:endParaRPr lang="en-AU"/>
           </a:p>
@@ -5082,7 +5189,7 @@
           <a:p>
             <a:fld id="{C65E533D-5A30-424C-ADAA-EBA918E78813}" type="datetimeFigureOut">
               <a:rPr lang="en-AU" smtClean="0"/>
-              <a:t>28/04/2022</a:t>
+              <a:t>21/05/2022</a:t>
             </a:fld>
             <a:endParaRPr lang="en-AU"/>
           </a:p>
@@ -5325,7 +5432,7 @@
           <a:p>
             <a:fld id="{C65E533D-5A30-424C-ADAA-EBA918E78813}" type="datetimeFigureOut">
               <a:rPr lang="en-AU" smtClean="0"/>
-              <a:t>28/04/2022</a:t>
+              <a:t>21/05/2022</a:t>
             </a:fld>
             <a:endParaRPr lang="en-AU"/>
           </a:p>
@@ -6544,13 +6651,31 @@
             </a:r>
             <a:r>
               <a:rPr lang="en-AU" dirty="0"/>
-              <a:t> the best choice when performance is the primary concern</a:t>
+              <a:t> the best choice when performance is the primary concern.</a:t>
             </a:r>
           </a:p>
           <a:p>
             <a:r>
               <a:rPr lang="en-AU" dirty="0"/>
-              <a:t>Ruby has a number of unusual and powerful features that can lead to clever code that can lead to readability problems.</a:t>
+              <a:t>Ruby does </a:t>
+            </a:r>
+            <a:r>
+              <a:rPr lang="en-AU" dirty="0">
+                <a:solidFill>
+                  <a:srgbClr val="FF0000"/>
+                </a:solidFill>
+              </a:rPr>
+              <a:t>not</a:t>
+            </a:r>
+            <a:r>
+              <a:rPr lang="en-AU" dirty="0"/>
+              <a:t> provide many compiler-time checks, so it is easy to release code with errors that aren’t discovered until run-time.</a:t>
+            </a:r>
+          </a:p>
+          <a:p>
+            <a:r>
+              <a:rPr lang="en-AU" dirty="0"/>
+              <a:t>Ruby has many powerful features that can lead to clever code that can cause readability problems.</a:t>
             </a:r>
           </a:p>
         </p:txBody>
@@ -6622,7 +6747,7 @@
         <p:spPr>
           <a:xfrm>
             <a:off x="8608379" y="3783702"/>
-            <a:ext cx="2730570" cy="1477328"/>
+            <a:ext cx="2730570" cy="1754326"/>
           </a:xfrm>
           <a:prstGeom prst="rect">
             <a:avLst/>
@@ -6643,7 +6768,7 @@
             <a:pPr algn="ctr"/>
             <a:r>
               <a:rPr lang="en-CA" dirty="0"/>
-              <a:t>Ruby was designed to improve the programmers experience, even at the cost of lower run-time performance.</a:t>
+              <a:t>Ruby was designed to improve the programmers experience, even at the cost of lower run-time performance and correctness.</a:t>
             </a:r>
             <a:endParaRPr lang="en-AU" dirty="0"/>
           </a:p>
@@ -6848,6 +6973,52 @@
           </a:p>
         </p:txBody>
       </p:sp>
+      <p:sp>
+        <p:nvSpPr>
+          <p:cNvPr id="4" name="TextBox 3">
+            <a:extLst>
+              <a:ext uri="{FF2B5EF4-FFF2-40B4-BE49-F238E27FC236}">
+                <a16:creationId xmlns:a16="http://schemas.microsoft.com/office/drawing/2014/main" id="{C3A04A1B-1BE7-D428-5EE3-94258555B527}"/>
+              </a:ext>
+            </a:extLst>
+          </p:cNvPr>
+          <p:cNvSpPr txBox="1"/>
+          <p:nvPr/>
+        </p:nvSpPr>
+        <p:spPr>
+          <a:xfrm>
+            <a:off x="8124285" y="4306216"/>
+            <a:ext cx="2556522" cy="1754326"/>
+          </a:xfrm>
+          <a:prstGeom prst="rect">
+            <a:avLst/>
+          </a:prstGeom>
+          <a:solidFill>
+            <a:schemeClr val="accent4">
+              <a:lumMod val="40000"/>
+              <a:lumOff val="60000"/>
+            </a:schemeClr>
+          </a:solidFill>
+        </p:spPr>
+        <p:txBody>
+          <a:bodyPr wrap="square" rtlCol="0">
+            <a:spAutoFit/>
+          </a:bodyPr>
+          <a:lstStyle/>
+          <a:p>
+            <a:pPr algn="ctr"/>
+            <a:r>
+              <a:rPr lang="en-CA" b="1" dirty="0"/>
+              <a:t>Monkey patching </a:t>
+            </a:r>
+            <a:r>
+              <a:rPr lang="en-CA" dirty="0"/>
+              <a:t>is when you change the how a program works a run-time. This is a possible technique in Ruby, with pros and cons.</a:t>
+            </a:r>
+            <a:endParaRPr lang="en-AU" dirty="0"/>
+          </a:p>
+        </p:txBody>
+      </p:sp>
     </p:spTree>
     <p:extLst>
       <p:ext uri="{BB962C8B-B14F-4D97-AF65-F5344CB8AC3E}">
@@ -7052,6 +7223,48 @@
           </a:p>
         </p:txBody>
       </p:sp>
+      <p:sp>
+        <p:nvSpPr>
+          <p:cNvPr id="4" name="TextBox 3">
+            <a:extLst>
+              <a:ext uri="{FF2B5EF4-FFF2-40B4-BE49-F238E27FC236}">
+                <a16:creationId xmlns:a16="http://schemas.microsoft.com/office/drawing/2014/main" id="{AF88C1E1-6D97-DDB8-3E24-CCEC7D5AF83B}"/>
+              </a:ext>
+            </a:extLst>
+          </p:cNvPr>
+          <p:cNvSpPr txBox="1"/>
+          <p:nvPr/>
+        </p:nvSpPr>
+        <p:spPr>
+          <a:xfrm>
+            <a:off x="7184569" y="5292546"/>
+            <a:ext cx="2440641" cy="1200329"/>
+          </a:xfrm>
+          <a:prstGeom prst="rect">
+            <a:avLst/>
+          </a:prstGeom>
+          <a:solidFill>
+            <a:schemeClr val="accent4">
+              <a:lumMod val="40000"/>
+              <a:lumOff val="60000"/>
+            </a:schemeClr>
+          </a:solidFill>
+        </p:spPr>
+        <p:txBody>
+          <a:bodyPr wrap="square" rtlCol="0">
+            <a:spAutoFit/>
+          </a:bodyPr>
+          <a:lstStyle/>
+          <a:p>
+            <a:pPr algn="ctr"/>
+            <a:r>
+              <a:rPr lang="en-CA" dirty="0"/>
+              <a:t>Ruby is a feature-rich language, often with more than one way to do simple things. </a:t>
+            </a:r>
+            <a:endParaRPr lang="en-AU" dirty="0"/>
+          </a:p>
+        </p:txBody>
+      </p:sp>
     </p:spTree>
     <p:extLst>
       <p:ext uri="{BB962C8B-B14F-4D97-AF65-F5344CB8AC3E}">
@@ -7210,48 +7423,6 @@
           </a:p>
         </p:txBody>
       </p:sp>
-      <p:sp>
-        <p:nvSpPr>
-          <p:cNvPr id="4" name="TextBox 3">
-            <a:extLst>
-              <a:ext uri="{FF2B5EF4-FFF2-40B4-BE49-F238E27FC236}">
-                <a16:creationId xmlns:a16="http://schemas.microsoft.com/office/drawing/2014/main" id="{7ECBB552-C455-49CB-8B30-2880096E2410}"/>
-              </a:ext>
-            </a:extLst>
-          </p:cNvPr>
-          <p:cNvSpPr txBox="1"/>
-          <p:nvPr/>
-        </p:nvSpPr>
-        <p:spPr>
-          <a:xfrm>
-            <a:off x="7023205" y="1825625"/>
-            <a:ext cx="2440641" cy="1200329"/>
-          </a:xfrm>
-          <a:prstGeom prst="rect">
-            <a:avLst/>
-          </a:prstGeom>
-          <a:solidFill>
-            <a:schemeClr val="accent4">
-              <a:lumMod val="40000"/>
-              <a:lumOff val="60000"/>
-            </a:schemeClr>
-          </a:solidFill>
-        </p:spPr>
-        <p:txBody>
-          <a:bodyPr wrap="square" rtlCol="0">
-            <a:spAutoFit/>
-          </a:bodyPr>
-          <a:lstStyle/>
-          <a:p>
-            <a:pPr algn="ctr"/>
-            <a:r>
-              <a:rPr lang="en-CA" dirty="0"/>
-              <a:t>Ruby is a feature-rich language, often with more than one way to do simple things. </a:t>
-            </a:r>
-            <a:endParaRPr lang="en-AU" dirty="0"/>
-          </a:p>
-        </p:txBody>
-      </p:sp>
     </p:spTree>
     <p:extLst>
       <p:ext uri="{BB962C8B-B14F-4D97-AF65-F5344CB8AC3E}">
@@ -7631,7 +7802,7 @@
         <p:spPr>
           <a:xfrm>
             <a:off x="1415417" y="4262919"/>
-            <a:ext cx="4522392" cy="1384995"/>
+            <a:ext cx="4719562" cy="1384995"/>
           </a:xfrm>
           <a:prstGeom prst="rect">
             <a:avLst/>
@@ -7648,7 +7819,7 @@
               <a:rPr lang="en-US" sz="2800" dirty="0">
                 <a:latin typeface="Consolas" panose="020B0609020204030204" pitchFamily="49" charset="0"/>
               </a:rPr>
-              <a:t>&gt; puts "Hello, world!"</a:t>
+              <a:t>&gt;&gt; puts "Hello, world!"</a:t>
             </a:r>
           </a:p>
           <a:p>

--- a/docs/languages/ruby/ruby1995.pptx
+++ b/docs/languages/ruby/ruby1995.pptx
@@ -131,7 +131,7 @@
 <file path=ppt/revisionInfo.xml><?xml version="1.0" encoding="utf-8"?>
 <p1510:revInfo xmlns:a="http://schemas.openxmlformats.org/drawingml/2006/main" xmlns:r="http://schemas.openxmlformats.org/officeDocument/2006/relationships" xmlns:p1510="http://schemas.microsoft.com/office/powerpoint/2015/10/main">
   <p1510:revLst>
-    <p1510:client id="{9EE27B8B-17D5-4A7A-8D00-A82DA98069CF}" v="4" dt="2022-05-21T19:44:47.779"/>
+    <p1510:client id="{9EE27B8B-17D5-4A7A-8D00-A82DA98069CF}" v="7" dt="2022-05-21T19:47:55.052"/>
   </p1510:revLst>
 </p1510:revInfo>
 </file>
@@ -250,7 +250,7 @@
   <pc:docChgLst>
     <pc:chgData name="Toby Donaldson" userId="2e6e5431-bb17-4c41-9985-d39c50d83c73" providerId="ADAL" clId="{9EE27B8B-17D5-4A7A-8D00-A82DA98069CF}"/>
     <pc:docChg chg="custSel modSld">
-      <pc:chgData name="Toby Donaldson" userId="2e6e5431-bb17-4c41-9985-d39c50d83c73" providerId="ADAL" clId="{9EE27B8B-17D5-4A7A-8D00-A82DA98069CF}" dt="2022-05-21T19:45:41.939" v="365" actId="1076"/>
+      <pc:chgData name="Toby Donaldson" userId="2e6e5431-bb17-4c41-9985-d39c50d83c73" providerId="ADAL" clId="{9EE27B8B-17D5-4A7A-8D00-A82DA98069CF}" dt="2022-05-21T19:47:55.052" v="368"/>
       <pc:docMkLst>
         <pc:docMk/>
       </pc:docMkLst>
@@ -336,6 +336,27 @@
             <ac:spMk id="4" creationId="{8D140EF2-7A80-4170-96C7-C567343A91EE}"/>
           </ac:spMkLst>
         </pc:spChg>
+      </pc:sldChg>
+      <pc:sldChg chg="modAnim">
+        <pc:chgData name="Toby Donaldson" userId="2e6e5431-bb17-4c41-9985-d39c50d83c73" providerId="ADAL" clId="{9EE27B8B-17D5-4A7A-8D00-A82DA98069CF}" dt="2022-05-21T19:47:05.070" v="366"/>
+        <pc:sldMkLst>
+          <pc:docMk/>
+          <pc:sldMk cId="2446982689" sldId="275"/>
+        </pc:sldMkLst>
+      </pc:sldChg>
+      <pc:sldChg chg="modAnim">
+        <pc:chgData name="Toby Donaldson" userId="2e6e5431-bb17-4c41-9985-d39c50d83c73" providerId="ADAL" clId="{9EE27B8B-17D5-4A7A-8D00-A82DA98069CF}" dt="2022-05-21T19:47:55.052" v="368"/>
+        <pc:sldMkLst>
+          <pc:docMk/>
+          <pc:sldMk cId="390346067" sldId="276"/>
+        </pc:sldMkLst>
+      </pc:sldChg>
+      <pc:sldChg chg="modAnim">
+        <pc:chgData name="Toby Donaldson" userId="2e6e5431-bb17-4c41-9985-d39c50d83c73" providerId="ADAL" clId="{9EE27B8B-17D5-4A7A-8D00-A82DA98069CF}" dt="2022-05-21T19:47:22.412" v="367"/>
+        <pc:sldMkLst>
+          <pc:docMk/>
+          <pc:sldMk cId="4198230947" sldId="277"/>
+        </pc:sldMkLst>
       </pc:sldChg>
       <pc:sldChg chg="modSp mod">
         <pc:chgData name="Toby Donaldson" userId="2e6e5431-bb17-4c41-9985-d39c50d83c73" providerId="ADAL" clId="{9EE27B8B-17D5-4A7A-8D00-A82DA98069CF}" dt="2022-05-21T19:39:04.415" v="12" actId="20577"/>
@@ -8507,6 +8528,127 @@
   <p:clrMapOvr>
     <a:masterClrMapping/>
   </p:clrMapOvr>
+  <p:timing>
+    <p:tnLst>
+      <p:par>
+        <p:cTn id="1" dur="indefinite" restart="never" nodeType="tmRoot">
+          <p:childTnLst>
+            <p:seq concurrent="1" nextAc="seek">
+              <p:cTn id="2" dur="indefinite" nodeType="mainSeq">
+                <p:childTnLst>
+                  <p:par>
+                    <p:cTn id="3" fill="hold">
+                      <p:stCondLst>
+                        <p:cond delay="indefinite"/>
+                      </p:stCondLst>
+                      <p:childTnLst>
+                        <p:par>
+                          <p:cTn id="4" fill="hold">
+                            <p:stCondLst>
+                              <p:cond delay="0"/>
+                            </p:stCondLst>
+                            <p:childTnLst>
+                              <p:par>
+                                <p:cTn id="5" presetID="10" presetClass="entr" presetSubtype="0" fill="hold" nodeType="clickEffect">
+                                  <p:stCondLst>
+                                    <p:cond delay="0"/>
+                                  </p:stCondLst>
+                                  <p:childTnLst>
+                                    <p:set>
+                                      <p:cBhvr>
+                                        <p:cTn id="6" dur="1" fill="hold">
+                                          <p:stCondLst>
+                                            <p:cond delay="0"/>
+                                          </p:stCondLst>
+                                        </p:cTn>
+                                        <p:tgtEl>
+                                          <p:spTgt spid="4098"/>
+                                        </p:tgtEl>
+                                        <p:attrNameLst>
+                                          <p:attrName>style.visibility</p:attrName>
+                                        </p:attrNameLst>
+                                      </p:cBhvr>
+                                      <p:to>
+                                        <p:strVal val="visible"/>
+                                      </p:to>
+                                    </p:set>
+                                    <p:animEffect transition="in" filter="fade">
+                                      <p:cBhvr>
+                                        <p:cTn id="7" dur="500"/>
+                                        <p:tgtEl>
+                                          <p:spTgt spid="4098"/>
+                                        </p:tgtEl>
+                                      </p:cBhvr>
+                                    </p:animEffect>
+                                  </p:childTnLst>
+                                </p:cTn>
+                              </p:par>
+                              <p:par>
+                                <p:cTn id="8" presetID="10" presetClass="entr" presetSubtype="0" fill="hold" grpId="0" nodeType="withEffect">
+                                  <p:stCondLst>
+                                    <p:cond delay="0"/>
+                                  </p:stCondLst>
+                                  <p:childTnLst>
+                                    <p:set>
+                                      <p:cBhvr>
+                                        <p:cTn id="9" dur="1" fill="hold">
+                                          <p:stCondLst>
+                                            <p:cond delay="0"/>
+                                          </p:stCondLst>
+                                        </p:cTn>
+                                        <p:tgtEl>
+                                          <p:spTgt spid="3"/>
+                                        </p:tgtEl>
+                                        <p:attrNameLst>
+                                          <p:attrName>style.visibility</p:attrName>
+                                        </p:attrNameLst>
+                                      </p:cBhvr>
+                                      <p:to>
+                                        <p:strVal val="visible"/>
+                                      </p:to>
+                                    </p:set>
+                                    <p:animEffect transition="in" filter="fade">
+                                      <p:cBhvr>
+                                        <p:cTn id="10" dur="500"/>
+                                        <p:tgtEl>
+                                          <p:spTgt spid="3"/>
+                                        </p:tgtEl>
+                                      </p:cBhvr>
+                                    </p:animEffect>
+                                  </p:childTnLst>
+                                </p:cTn>
+                              </p:par>
+                            </p:childTnLst>
+                          </p:cTn>
+                        </p:par>
+                      </p:childTnLst>
+                    </p:cTn>
+                  </p:par>
+                </p:childTnLst>
+              </p:cTn>
+              <p:prevCondLst>
+                <p:cond evt="onPrev" delay="0">
+                  <p:tgtEl>
+                    <p:sldTgt/>
+                  </p:tgtEl>
+                </p:cond>
+              </p:prevCondLst>
+              <p:nextCondLst>
+                <p:cond evt="onNext" delay="0">
+                  <p:tgtEl>
+                    <p:sldTgt/>
+                  </p:tgtEl>
+                </p:cond>
+              </p:nextCondLst>
+            </p:seq>
+          </p:childTnLst>
+        </p:cTn>
+      </p:par>
+    </p:tnLst>
+    <p:bldLst>
+      <p:bldP spid="3" grpId="0"/>
+    </p:bldLst>
+  </p:timing>
 </p:sld>
 </file>
 
@@ -8661,9 +8803,6 @@
                     <p:cTn id="3" fill="hold">
                       <p:stCondLst>
                         <p:cond delay="indefinite"/>
-                        <p:cond evt="onBegin" delay="0">
-                          <p:tn val="2"/>
-                        </p:cond>
                       </p:stCondLst>
                       <p:childTnLst>
                         <p:par>
@@ -8673,7 +8812,7 @@
                             </p:stCondLst>
                             <p:childTnLst>
                               <p:par>
-                                <p:cTn id="5" presetID="10" presetClass="entr" presetSubtype="0" fill="hold" grpId="0" nodeType="afterEffect">
+                                <p:cTn id="5" presetID="10" presetClass="entr" presetSubtype="0" fill="hold" grpId="0" nodeType="clickEffect">
                                   <p:stCondLst>
                                     <p:cond delay="0"/>
                                   </p:stCondLst>
@@ -8701,6 +8840,41 @@
                                         <p:cTn id="7" dur="500"/>
                                         <p:tgtEl>
                                           <p:spTgt spid="5"/>
+                                        </p:tgtEl>
+                                      </p:cBhvr>
+                                    </p:animEffect>
+                                  </p:childTnLst>
+                                </p:cTn>
+                              </p:par>
+                              <p:par>
+                                <p:cTn id="8" presetID="10" presetClass="entr" presetSubtype="0" fill="hold" nodeType="withEffect">
+                                  <p:stCondLst>
+                                    <p:cond delay="0"/>
+                                  </p:stCondLst>
+                                  <p:childTnLst>
+                                    <p:set>
+                                      <p:cBhvr>
+                                        <p:cTn id="9" dur="1" fill="hold">
+                                          <p:stCondLst>
+                                            <p:cond delay="0"/>
+                                          </p:stCondLst>
+                                        </p:cTn>
+                                        <p:tgtEl>
+                                          <p:spTgt spid="5122"/>
+                                        </p:tgtEl>
+                                        <p:attrNameLst>
+                                          <p:attrName>style.visibility</p:attrName>
+                                        </p:attrNameLst>
+                                      </p:cBhvr>
+                                      <p:to>
+                                        <p:strVal val="visible"/>
+                                      </p:to>
+                                    </p:set>
+                                    <p:animEffect transition="in" filter="fade">
+                                      <p:cBhvr>
+                                        <p:cTn id="10" dur="500"/>
+                                        <p:tgtEl>
+                                          <p:spTgt spid="5122"/>
                                         </p:tgtEl>
                                       </p:cBhvr>
                                     </p:animEffect>
@@ -8903,9 +9077,6 @@
                     <p:cTn id="3" fill="hold">
                       <p:stCondLst>
                         <p:cond delay="indefinite"/>
-                        <p:cond evt="onBegin" delay="0">
-                          <p:tn val="2"/>
-                        </p:cond>
                       </p:stCondLst>
                       <p:childTnLst>
                         <p:par>
@@ -8915,7 +9086,7 @@
                             </p:stCondLst>
                             <p:childTnLst>
                               <p:par>
-                                <p:cTn id="5" presetID="10" presetClass="entr" presetSubtype="0" fill="hold" grpId="0" nodeType="afterEffect">
+                                <p:cTn id="5" presetID="10" presetClass="entr" presetSubtype="0" fill="hold" grpId="0" nodeType="clickEffect">
                                   <p:stCondLst>
                                     <p:cond delay="0"/>
                                   </p:stCondLst>
@@ -8943,6 +9114,41 @@
                                         <p:cTn id="7" dur="500"/>
                                         <p:tgtEl>
                                           <p:spTgt spid="3"/>
+                                        </p:tgtEl>
+                                      </p:cBhvr>
+                                    </p:animEffect>
+                                  </p:childTnLst>
+                                </p:cTn>
+                              </p:par>
+                              <p:par>
+                                <p:cTn id="8" presetID="10" presetClass="entr" presetSubtype="0" fill="hold" nodeType="withEffect">
+                                  <p:stCondLst>
+                                    <p:cond delay="0"/>
+                                  </p:stCondLst>
+                                  <p:childTnLst>
+                                    <p:set>
+                                      <p:cBhvr>
+                                        <p:cTn id="9" dur="1" fill="hold">
+                                          <p:stCondLst>
+                                            <p:cond delay="0"/>
+                                          </p:stCondLst>
+                                        </p:cTn>
+                                        <p:tgtEl>
+                                          <p:spTgt spid="1026"/>
+                                        </p:tgtEl>
+                                        <p:attrNameLst>
+                                          <p:attrName>style.visibility</p:attrName>
+                                        </p:attrNameLst>
+                                      </p:cBhvr>
+                                      <p:to>
+                                        <p:strVal val="visible"/>
+                                      </p:to>
+                                    </p:set>
+                                    <p:animEffect transition="in" filter="fade">
+                                      <p:cBhvr>
+                                        <p:cTn id="10" dur="500"/>
+                                        <p:tgtEl>
+                                          <p:spTgt spid="1026"/>
                                         </p:tgtEl>
                                       </p:cBhvr>
                                     </p:animEffect>

--- a/docs/languages/ruby/ruby1995.pptx
+++ b/docs/languages/ruby/ruby1995.pptx
@@ -131,7 +131,7 @@
 <file path=ppt/revisionInfo.xml><?xml version="1.0" encoding="utf-8"?>
 <p1510:revInfo xmlns:a="http://schemas.openxmlformats.org/drawingml/2006/main" xmlns:r="http://schemas.openxmlformats.org/officeDocument/2006/relationships" xmlns:p1510="http://schemas.microsoft.com/office/powerpoint/2015/10/main">
   <p1510:revLst>
-    <p1510:client id="{9EE27B8B-17D5-4A7A-8D00-A82DA98069CF}" v="7" dt="2022-05-21T19:47:55.052"/>
+    <p1510:client id="{DE0381D5-D4F9-4A96-B5C4-0C220816D958}" v="59" dt="2022-05-24T18:53:01.567"/>
   </p1510:revLst>
 </p1510:revInfo>
 </file>
@@ -244,6 +244,624 @@
             <ac:spMk id="7" creationId="{729F9EAB-E96A-4A13-B339-346BBE62D038}"/>
           </ac:spMkLst>
         </pc:spChg>
+      </pc:sldChg>
+    </pc:docChg>
+  </pc:docChgLst>
+  <pc:docChgLst>
+    <pc:chgData name="Toby Donaldson" userId="2e6e5431-bb17-4c41-9985-d39c50d83c73" providerId="ADAL" clId="{EDCFDE51-983B-4FDD-97E5-25FF63C5004E}"/>
+    <pc:docChg chg="undo redo custSel addSld delSld modSld sldOrd">
+      <pc:chgData name="Toby Donaldson" userId="2e6e5431-bb17-4c41-9985-d39c50d83c73" providerId="ADAL" clId="{EDCFDE51-983B-4FDD-97E5-25FF63C5004E}" dt="2022-04-24T05:44:22.267" v="943" actId="1076"/>
+      <pc:docMkLst>
+        <pc:docMk/>
+      </pc:docMkLst>
+      <pc:sldChg chg="addSp delSp modSp del mod">
+        <pc:chgData name="Toby Donaldson" userId="2e6e5431-bb17-4c41-9985-d39c50d83c73" providerId="ADAL" clId="{EDCFDE51-983B-4FDD-97E5-25FF63C5004E}" dt="2022-04-24T05:42:54.510" v="938" actId="2696"/>
+        <pc:sldMkLst>
+          <pc:docMk/>
+          <pc:sldMk cId="4078775610" sldId="258"/>
+        </pc:sldMkLst>
+        <pc:spChg chg="del">
+          <ac:chgData name="Toby Donaldson" userId="2e6e5431-bb17-4c41-9985-d39c50d83c73" providerId="ADAL" clId="{EDCFDE51-983B-4FDD-97E5-25FF63C5004E}" dt="2022-04-14T04:09:03.104" v="0" actId="21"/>
+          <ac:spMkLst>
+            <pc:docMk/>
+            <pc:sldMk cId="4078775610" sldId="258"/>
+            <ac:spMk id="3" creationId="{8D326F70-6E73-48ED-853E-D802A1F7CD4A}"/>
+          </ac:spMkLst>
+        </pc:spChg>
+        <pc:spChg chg="add mod">
+          <ac:chgData name="Toby Donaldson" userId="2e6e5431-bb17-4c41-9985-d39c50d83c73" providerId="ADAL" clId="{EDCFDE51-983B-4FDD-97E5-25FF63C5004E}" dt="2022-04-14T04:09:30.167" v="11" actId="1076"/>
+          <ac:spMkLst>
+            <pc:docMk/>
+            <pc:sldMk cId="4078775610" sldId="258"/>
+            <ac:spMk id="6" creationId="{DADD3996-086B-4692-A3A4-BB9078B02325}"/>
+          </ac:spMkLst>
+        </pc:spChg>
+        <pc:spChg chg="del">
+          <ac:chgData name="Toby Donaldson" userId="2e6e5431-bb17-4c41-9985-d39c50d83c73" providerId="ADAL" clId="{EDCFDE51-983B-4FDD-97E5-25FF63C5004E}" dt="2022-04-14T04:09:10.766" v="2" actId="21"/>
+          <ac:spMkLst>
+            <pc:docMk/>
+            <pc:sldMk cId="4078775610" sldId="258"/>
+            <ac:spMk id="7" creationId="{729F9EAB-E96A-4A13-B339-346BBE62D038}"/>
+          </ac:spMkLst>
+        </pc:spChg>
+        <pc:grpChg chg="del">
+          <ac:chgData name="Toby Donaldson" userId="2e6e5431-bb17-4c41-9985-d39c50d83c73" providerId="ADAL" clId="{EDCFDE51-983B-4FDD-97E5-25FF63C5004E}" dt="2022-04-14T04:09:07.266" v="1" actId="21"/>
+          <ac:grpSpMkLst>
+            <pc:docMk/>
+            <pc:sldMk cId="4078775610" sldId="258"/>
+            <ac:grpSpMk id="2" creationId="{C7C7C6C7-9397-46B2-A2FF-C632EDA7C632}"/>
+          </ac:grpSpMkLst>
+        </pc:grpChg>
+        <pc:picChg chg="mod">
+          <ac:chgData name="Toby Donaldson" userId="2e6e5431-bb17-4c41-9985-d39c50d83c73" providerId="ADAL" clId="{EDCFDE51-983B-4FDD-97E5-25FF63C5004E}" dt="2022-04-14T04:09:27.619" v="10" actId="1076"/>
+          <ac:picMkLst>
+            <pc:docMk/>
+            <pc:sldMk cId="4078775610" sldId="258"/>
+            <ac:picMk id="5" creationId="{2A3EA073-AB11-414C-9B52-4FAACFDEB101}"/>
+          </ac:picMkLst>
+        </pc:picChg>
+      </pc:sldChg>
+      <pc:sldChg chg="addSp modSp mod">
+        <pc:chgData name="Toby Donaldson" userId="2e6e5431-bb17-4c41-9985-d39c50d83c73" providerId="ADAL" clId="{EDCFDE51-983B-4FDD-97E5-25FF63C5004E}" dt="2022-04-24T00:05:09.693" v="701" actId="1076"/>
+        <pc:sldMkLst>
+          <pc:docMk/>
+          <pc:sldMk cId="2414411496" sldId="260"/>
+        </pc:sldMkLst>
+        <pc:spChg chg="mod">
+          <ac:chgData name="Toby Donaldson" userId="2e6e5431-bb17-4c41-9985-d39c50d83c73" providerId="ADAL" clId="{EDCFDE51-983B-4FDD-97E5-25FF63C5004E}" dt="2022-04-19T06:46:20.759" v="330" actId="27636"/>
+          <ac:spMkLst>
+            <pc:docMk/>
+            <pc:sldMk cId="2414411496" sldId="260"/>
+            <ac:spMk id="3" creationId="{E45AFAE3-7D9D-4DB0-A01B-CD046F1E7D5F}"/>
+          </ac:spMkLst>
+        </pc:spChg>
+        <pc:spChg chg="add mod">
+          <ac:chgData name="Toby Donaldson" userId="2e6e5431-bb17-4c41-9985-d39c50d83c73" providerId="ADAL" clId="{EDCFDE51-983B-4FDD-97E5-25FF63C5004E}" dt="2022-04-24T00:05:09.693" v="701" actId="1076"/>
+          <ac:spMkLst>
+            <pc:docMk/>
+            <pc:sldMk cId="2414411496" sldId="260"/>
+            <ac:spMk id="4" creationId="{79E0F8C3-8A4E-4D65-AF48-A65148BFB617}"/>
+          </ac:spMkLst>
+        </pc:spChg>
+        <pc:spChg chg="add mod">
+          <ac:chgData name="Toby Donaldson" userId="2e6e5431-bb17-4c41-9985-d39c50d83c73" providerId="ADAL" clId="{EDCFDE51-983B-4FDD-97E5-25FF63C5004E}" dt="2022-04-24T00:05:05.527" v="700" actId="1076"/>
+          <ac:spMkLst>
+            <pc:docMk/>
+            <pc:sldMk cId="2414411496" sldId="260"/>
+            <ac:spMk id="5" creationId="{F6F8BE28-16A2-43FB-B28E-AC71885AC56E}"/>
+          </ac:spMkLst>
+        </pc:spChg>
+      </pc:sldChg>
+      <pc:sldChg chg="addSp modSp mod">
+        <pc:chgData name="Toby Donaldson" userId="2e6e5431-bb17-4c41-9985-d39c50d83c73" providerId="ADAL" clId="{EDCFDE51-983B-4FDD-97E5-25FF63C5004E}" dt="2022-04-24T05:44:22.267" v="943" actId="1076"/>
+        <pc:sldMkLst>
+          <pc:docMk/>
+          <pc:sldMk cId="247949623" sldId="261"/>
+        </pc:sldMkLst>
+        <pc:spChg chg="mod">
+          <ac:chgData name="Toby Donaldson" userId="2e6e5431-bb17-4c41-9985-d39c50d83c73" providerId="ADAL" clId="{EDCFDE51-983B-4FDD-97E5-25FF63C5004E}" dt="2022-04-24T05:43:48.387" v="941" actId="20577"/>
+          <ac:spMkLst>
+            <pc:docMk/>
+            <pc:sldMk cId="247949623" sldId="261"/>
+            <ac:spMk id="3" creationId="{E45AFAE3-7D9D-4DB0-A01B-CD046F1E7D5F}"/>
+          </ac:spMkLst>
+        </pc:spChg>
+        <pc:spChg chg="add mod">
+          <ac:chgData name="Toby Donaldson" userId="2e6e5431-bb17-4c41-9985-d39c50d83c73" providerId="ADAL" clId="{EDCFDE51-983B-4FDD-97E5-25FF63C5004E}" dt="2022-04-24T05:44:22.267" v="943" actId="1076"/>
+          <ac:spMkLst>
+            <pc:docMk/>
+            <pc:sldMk cId="247949623" sldId="261"/>
+            <ac:spMk id="4" creationId="{6B61A8D3-4B08-471E-9F40-F5FE22F6431B}"/>
+          </ac:spMkLst>
+        </pc:spChg>
+        <pc:spChg chg="add mod">
+          <ac:chgData name="Toby Donaldson" userId="2e6e5431-bb17-4c41-9985-d39c50d83c73" providerId="ADAL" clId="{EDCFDE51-983B-4FDD-97E5-25FF63C5004E}" dt="2022-04-24T00:06:40.960" v="815" actId="688"/>
+          <ac:spMkLst>
+            <pc:docMk/>
+            <pc:sldMk cId="247949623" sldId="261"/>
+            <ac:spMk id="5" creationId="{568288FB-8559-41AB-827C-D6A2E66D2804}"/>
+          </ac:spMkLst>
+        </pc:spChg>
+      </pc:sldChg>
+      <pc:sldChg chg="addSp modSp mod">
+        <pc:chgData name="Toby Donaldson" userId="2e6e5431-bb17-4c41-9985-d39c50d83c73" providerId="ADAL" clId="{EDCFDE51-983B-4FDD-97E5-25FF63C5004E}" dt="2022-04-24T00:08:18.517" v="927" actId="1076"/>
+        <pc:sldMkLst>
+          <pc:docMk/>
+          <pc:sldMk cId="3774670057" sldId="263"/>
+        </pc:sldMkLst>
+        <pc:spChg chg="mod">
+          <ac:chgData name="Toby Donaldson" userId="2e6e5431-bb17-4c41-9985-d39c50d83c73" providerId="ADAL" clId="{EDCFDE51-983B-4FDD-97E5-25FF63C5004E}" dt="2022-04-19T06:46:13.386" v="328" actId="27636"/>
+          <ac:spMkLst>
+            <pc:docMk/>
+            <pc:sldMk cId="3774670057" sldId="263"/>
+            <ac:spMk id="3" creationId="{E45AFAE3-7D9D-4DB0-A01B-CD046F1E7D5F}"/>
+          </ac:spMkLst>
+        </pc:spChg>
+        <pc:spChg chg="add mod">
+          <ac:chgData name="Toby Donaldson" userId="2e6e5431-bb17-4c41-9985-d39c50d83c73" providerId="ADAL" clId="{EDCFDE51-983B-4FDD-97E5-25FF63C5004E}" dt="2022-04-24T00:08:11.022" v="925" actId="1076"/>
+          <ac:spMkLst>
+            <pc:docMk/>
+            <pc:sldMk cId="3774670057" sldId="263"/>
+            <ac:spMk id="4" creationId="{0CD00CDE-196A-4552-B023-0333B7AD5421}"/>
+          </ac:spMkLst>
+        </pc:spChg>
+        <pc:spChg chg="add mod">
+          <ac:chgData name="Toby Donaldson" userId="2e6e5431-bb17-4c41-9985-d39c50d83c73" providerId="ADAL" clId="{EDCFDE51-983B-4FDD-97E5-25FF63C5004E}" dt="2022-04-24T00:08:18.517" v="927" actId="1076"/>
+          <ac:spMkLst>
+            <pc:docMk/>
+            <pc:sldMk cId="3774670057" sldId="263"/>
+            <ac:spMk id="5" creationId="{A74B55C4-CE2C-4690-AC47-C8BB18081FD4}"/>
+          </ac:spMkLst>
+        </pc:spChg>
+      </pc:sldChg>
+      <pc:sldChg chg="ord">
+        <pc:chgData name="Toby Donaldson" userId="2e6e5431-bb17-4c41-9985-d39c50d83c73" providerId="ADAL" clId="{EDCFDE51-983B-4FDD-97E5-25FF63C5004E}" dt="2022-04-24T00:02:08.759" v="533"/>
+        <pc:sldMkLst>
+          <pc:docMk/>
+          <pc:sldMk cId="2446324911" sldId="265"/>
+        </pc:sldMkLst>
+      </pc:sldChg>
+      <pc:sldChg chg="addSp delSp modSp mod ord">
+        <pc:chgData name="Toby Donaldson" userId="2e6e5431-bb17-4c41-9985-d39c50d83c73" providerId="ADAL" clId="{EDCFDE51-983B-4FDD-97E5-25FF63C5004E}" dt="2022-04-24T00:02:14.044" v="535"/>
+        <pc:sldMkLst>
+          <pc:docMk/>
+          <pc:sldMk cId="2513690197" sldId="266"/>
+        </pc:sldMkLst>
+        <pc:spChg chg="mod">
+          <ac:chgData name="Toby Donaldson" userId="2e6e5431-bb17-4c41-9985-d39c50d83c73" providerId="ADAL" clId="{EDCFDE51-983B-4FDD-97E5-25FF63C5004E}" dt="2022-04-14T04:11:51.528" v="36" actId="1076"/>
+          <ac:spMkLst>
+            <pc:docMk/>
+            <pc:sldMk cId="2513690197" sldId="266"/>
+            <ac:spMk id="3" creationId="{3FF8B6F5-B7C4-45FC-86DA-6C2C9F035E96}"/>
+          </ac:spMkLst>
+        </pc:spChg>
+        <pc:spChg chg="del">
+          <ac:chgData name="Toby Donaldson" userId="2e6e5431-bb17-4c41-9985-d39c50d83c73" providerId="ADAL" clId="{EDCFDE51-983B-4FDD-97E5-25FF63C5004E}" dt="2022-04-14T04:11:05.227" v="15" actId="21"/>
+          <ac:spMkLst>
+            <pc:docMk/>
+            <pc:sldMk cId="2513690197" sldId="266"/>
+            <ac:spMk id="4" creationId="{8D140EF2-7A80-4170-96C7-C567343A91EE}"/>
+          </ac:spMkLst>
+        </pc:spChg>
+        <pc:spChg chg="del">
+          <ac:chgData name="Toby Donaldson" userId="2e6e5431-bb17-4c41-9985-d39c50d83c73" providerId="ADAL" clId="{EDCFDE51-983B-4FDD-97E5-25FF63C5004E}" dt="2022-04-14T04:11:05.227" v="15" actId="21"/>
+          <ac:spMkLst>
+            <pc:docMk/>
+            <pc:sldMk cId="2513690197" sldId="266"/>
+            <ac:spMk id="8" creationId="{E2400FBB-A4E6-4E19-BEB2-E43F372AEDD9}"/>
+          </ac:spMkLst>
+        </pc:spChg>
+        <pc:spChg chg="add mod">
+          <ac:chgData name="Toby Donaldson" userId="2e6e5431-bb17-4c41-9985-d39c50d83c73" providerId="ADAL" clId="{EDCFDE51-983B-4FDD-97E5-25FF63C5004E}" dt="2022-04-14T04:11:54.285" v="37" actId="1076"/>
+          <ac:spMkLst>
+            <pc:docMk/>
+            <pc:sldMk cId="2513690197" sldId="266"/>
+            <ac:spMk id="9" creationId="{BF26BE97-798D-49EF-9786-87FD00E7C872}"/>
+          </ac:spMkLst>
+        </pc:spChg>
+        <pc:graphicFrameChg chg="del">
+          <ac:chgData name="Toby Donaldson" userId="2e6e5431-bb17-4c41-9985-d39c50d83c73" providerId="ADAL" clId="{EDCFDE51-983B-4FDD-97E5-25FF63C5004E}" dt="2022-04-14T04:11:05.227" v="15" actId="21"/>
+          <ac:graphicFrameMkLst>
+            <pc:docMk/>
+            <pc:sldMk cId="2513690197" sldId="266"/>
+            <ac:graphicFrameMk id="5" creationId="{40085C16-0B61-42F1-98B2-503E1961B2D2}"/>
+          </ac:graphicFrameMkLst>
+        </pc:graphicFrameChg>
+        <pc:picChg chg="mod">
+          <ac:chgData name="Toby Donaldson" userId="2e6e5431-bb17-4c41-9985-d39c50d83c73" providerId="ADAL" clId="{EDCFDE51-983B-4FDD-97E5-25FF63C5004E}" dt="2022-04-14T04:11:17.092" v="19" actId="14100"/>
+          <ac:picMkLst>
+            <pc:docMk/>
+            <pc:sldMk cId="2513690197" sldId="266"/>
+            <ac:picMk id="7" creationId="{128E5F7F-5BC8-4569-A9FA-5DAD8E043937}"/>
+          </ac:picMkLst>
+        </pc:picChg>
+      </pc:sldChg>
+      <pc:sldChg chg="modSp mod">
+        <pc:chgData name="Toby Donaldson" userId="2e6e5431-bb17-4c41-9985-d39c50d83c73" providerId="ADAL" clId="{EDCFDE51-983B-4FDD-97E5-25FF63C5004E}" dt="2022-04-24T05:43:27.704" v="940" actId="1076"/>
+        <pc:sldMkLst>
+          <pc:docMk/>
+          <pc:sldMk cId="2072605454" sldId="270"/>
+        </pc:sldMkLst>
+        <pc:spChg chg="mod">
+          <ac:chgData name="Toby Donaldson" userId="2e6e5431-bb17-4c41-9985-d39c50d83c73" providerId="ADAL" clId="{EDCFDE51-983B-4FDD-97E5-25FF63C5004E}" dt="2022-04-24T00:03:15.150" v="539"/>
+          <ac:spMkLst>
+            <pc:docMk/>
+            <pc:sldMk cId="2072605454" sldId="270"/>
+            <ac:spMk id="3" creationId="{9D85EADE-0C03-49DA-BB59-0942833F47FA}"/>
+          </ac:spMkLst>
+        </pc:spChg>
+        <pc:spChg chg="mod">
+          <ac:chgData name="Toby Donaldson" userId="2e6e5431-bb17-4c41-9985-d39c50d83c73" providerId="ADAL" clId="{EDCFDE51-983B-4FDD-97E5-25FF63C5004E}" dt="2022-04-24T05:43:27.704" v="940" actId="1076"/>
+          <ac:spMkLst>
+            <pc:docMk/>
+            <pc:sldMk cId="2072605454" sldId="270"/>
+            <ac:spMk id="5" creationId="{17720DB2-6405-4D41-B342-518B575893A4}"/>
+          </ac:spMkLst>
+        </pc:spChg>
+        <pc:spChg chg="mod">
+          <ac:chgData name="Toby Donaldson" userId="2e6e5431-bb17-4c41-9985-d39c50d83c73" providerId="ADAL" clId="{EDCFDE51-983B-4FDD-97E5-25FF63C5004E}" dt="2022-04-24T00:03:42.363" v="560" actId="20577"/>
+          <ac:spMkLst>
+            <pc:docMk/>
+            <pc:sldMk cId="2072605454" sldId="270"/>
+            <ac:spMk id="6" creationId="{D47E401A-84BD-4DD8-8927-0E34EE1044A2}"/>
+          </ac:spMkLst>
+        </pc:spChg>
+        <pc:spChg chg="mod">
+          <ac:chgData name="Toby Donaldson" userId="2e6e5431-bb17-4c41-9985-d39c50d83c73" providerId="ADAL" clId="{EDCFDE51-983B-4FDD-97E5-25FF63C5004E}" dt="2022-04-24T00:02:53.333" v="537" actId="2085"/>
+          <ac:spMkLst>
+            <pc:docMk/>
+            <pc:sldMk cId="2072605454" sldId="270"/>
+            <ac:spMk id="7" creationId="{9D4F540D-54AA-445E-A7CD-6F91D946B605}"/>
+          </ac:spMkLst>
+        </pc:spChg>
+      </pc:sldChg>
+      <pc:sldChg chg="addSp delSp modSp add mod">
+        <pc:chgData name="Toby Donaldson" userId="2e6e5431-bb17-4c41-9985-d39c50d83c73" providerId="ADAL" clId="{EDCFDE51-983B-4FDD-97E5-25FF63C5004E}" dt="2022-04-24T00:00:41.098" v="530" actId="27636"/>
+        <pc:sldMkLst>
+          <pc:docMk/>
+          <pc:sldMk cId="1031835898" sldId="272"/>
+        </pc:sldMkLst>
+        <pc:spChg chg="del">
+          <ac:chgData name="Toby Donaldson" userId="2e6e5431-bb17-4c41-9985-d39c50d83c73" providerId="ADAL" clId="{EDCFDE51-983B-4FDD-97E5-25FF63C5004E}" dt="2022-04-24T00:00:03.541" v="519" actId="21"/>
+          <ac:spMkLst>
+            <pc:docMk/>
+            <pc:sldMk cId="1031835898" sldId="272"/>
+            <ac:spMk id="2" creationId="{AFC4F8B7-DF69-4161-80D5-5D65C38F8A33}"/>
+          </ac:spMkLst>
+        </pc:spChg>
+        <pc:spChg chg="del">
+          <ac:chgData name="Toby Donaldson" userId="2e6e5431-bb17-4c41-9985-d39c50d83c73" providerId="ADAL" clId="{EDCFDE51-983B-4FDD-97E5-25FF63C5004E}" dt="2022-04-24T00:00:03.541" v="519" actId="21"/>
+          <ac:spMkLst>
+            <pc:docMk/>
+            <pc:sldMk cId="1031835898" sldId="272"/>
+            <ac:spMk id="3" creationId="{3FF8B6F5-B7C4-45FC-86DA-6C2C9F035E96}"/>
+          </ac:spMkLst>
+        </pc:spChg>
+        <pc:spChg chg="mod">
+          <ac:chgData name="Toby Donaldson" userId="2e6e5431-bb17-4c41-9985-d39c50d83c73" providerId="ADAL" clId="{EDCFDE51-983B-4FDD-97E5-25FF63C5004E}" dt="2022-04-24T00:00:41.098" v="530" actId="27636"/>
+          <ac:spMkLst>
+            <pc:docMk/>
+            <pc:sldMk cId="1031835898" sldId="272"/>
+            <ac:spMk id="4" creationId="{8D140EF2-7A80-4170-96C7-C567343A91EE}"/>
+          </ac:spMkLst>
+        </pc:spChg>
+        <pc:spChg chg="mod">
+          <ac:chgData name="Toby Donaldson" userId="2e6e5431-bb17-4c41-9985-d39c50d83c73" providerId="ADAL" clId="{EDCFDE51-983B-4FDD-97E5-25FF63C5004E}" dt="2022-04-24T00:00:28.879" v="524" actId="1076"/>
+          <ac:spMkLst>
+            <pc:docMk/>
+            <pc:sldMk cId="1031835898" sldId="272"/>
+            <ac:spMk id="8" creationId="{E2400FBB-A4E6-4E19-BEB2-E43F372AEDD9}"/>
+          </ac:spMkLst>
+        </pc:spChg>
+        <pc:spChg chg="add del mod">
+          <ac:chgData name="Toby Donaldson" userId="2e6e5431-bb17-4c41-9985-d39c50d83c73" providerId="ADAL" clId="{EDCFDE51-983B-4FDD-97E5-25FF63C5004E}" dt="2022-04-24T00:00:08.412" v="520" actId="21"/>
+          <ac:spMkLst>
+            <pc:docMk/>
+            <pc:sldMk cId="1031835898" sldId="272"/>
+            <ac:spMk id="9" creationId="{8E50EDD2-2B78-4F98-A9CF-DA7B82080AB2}"/>
+          </ac:spMkLst>
+        </pc:spChg>
+        <pc:spChg chg="add del mod">
+          <ac:chgData name="Toby Donaldson" userId="2e6e5431-bb17-4c41-9985-d39c50d83c73" providerId="ADAL" clId="{EDCFDE51-983B-4FDD-97E5-25FF63C5004E}" dt="2022-04-24T00:00:11.453" v="521" actId="21"/>
+          <ac:spMkLst>
+            <pc:docMk/>
+            <pc:sldMk cId="1031835898" sldId="272"/>
+            <ac:spMk id="11" creationId="{14D8F501-70E3-4F56-968E-FF02D6A07418}"/>
+          </ac:spMkLst>
+        </pc:spChg>
+        <pc:graphicFrameChg chg="del">
+          <ac:chgData name="Toby Donaldson" userId="2e6e5431-bb17-4c41-9985-d39c50d83c73" providerId="ADAL" clId="{EDCFDE51-983B-4FDD-97E5-25FF63C5004E}" dt="2022-04-23T23:49:55.181" v="427" actId="21"/>
+          <ac:graphicFrameMkLst>
+            <pc:docMk/>
+            <pc:sldMk cId="1031835898" sldId="272"/>
+            <ac:graphicFrameMk id="5" creationId="{40085C16-0B61-42F1-98B2-503E1961B2D2}"/>
+          </ac:graphicFrameMkLst>
+        </pc:graphicFrameChg>
+        <pc:picChg chg="del mod">
+          <ac:chgData name="Toby Donaldson" userId="2e6e5431-bb17-4c41-9985-d39c50d83c73" providerId="ADAL" clId="{EDCFDE51-983B-4FDD-97E5-25FF63C5004E}" dt="2022-04-24T00:00:03.541" v="519" actId="21"/>
+          <ac:picMkLst>
+            <pc:docMk/>
+            <pc:sldMk cId="1031835898" sldId="272"/>
+            <ac:picMk id="7" creationId="{128E5F7F-5BC8-4569-A9FA-5DAD8E043937}"/>
+          </ac:picMkLst>
+        </pc:picChg>
+      </pc:sldChg>
+      <pc:sldChg chg="addSp delSp modSp new mod modClrScheme chgLayout">
+        <pc:chgData name="Toby Donaldson" userId="2e6e5431-bb17-4c41-9985-d39c50d83c73" providerId="ADAL" clId="{EDCFDE51-983B-4FDD-97E5-25FF63C5004E}" dt="2022-04-24T00:01:54.926" v="531" actId="20577"/>
+        <pc:sldMkLst>
+          <pc:docMk/>
+          <pc:sldMk cId="1247466648" sldId="273"/>
+        </pc:sldMkLst>
+        <pc:spChg chg="del mod ord">
+          <ac:chgData name="Toby Donaldson" userId="2e6e5431-bb17-4c41-9985-d39c50d83c73" providerId="ADAL" clId="{EDCFDE51-983B-4FDD-97E5-25FF63C5004E}" dt="2022-04-14T04:12:22.622" v="39" actId="700"/>
+          <ac:spMkLst>
+            <pc:docMk/>
+            <pc:sldMk cId="1247466648" sldId="273"/>
+            <ac:spMk id="2" creationId="{94E2BDCE-C2B8-4693-8CBB-3928303923D9}"/>
+          </ac:spMkLst>
+        </pc:spChg>
+        <pc:spChg chg="del">
+          <ac:chgData name="Toby Donaldson" userId="2e6e5431-bb17-4c41-9985-d39c50d83c73" providerId="ADAL" clId="{EDCFDE51-983B-4FDD-97E5-25FF63C5004E}" dt="2022-04-14T04:12:22.622" v="39" actId="700"/>
+          <ac:spMkLst>
+            <pc:docMk/>
+            <pc:sldMk cId="1247466648" sldId="273"/>
+            <ac:spMk id="3" creationId="{9C89E1F6-5B48-415E-8E3E-C937EEE98FCE}"/>
+          </ac:spMkLst>
+        </pc:spChg>
+        <pc:spChg chg="add mod ord">
+          <ac:chgData name="Toby Donaldson" userId="2e6e5431-bb17-4c41-9985-d39c50d83c73" providerId="ADAL" clId="{EDCFDE51-983B-4FDD-97E5-25FF63C5004E}" dt="2022-04-24T00:01:54.926" v="531" actId="20577"/>
+          <ac:spMkLst>
+            <pc:docMk/>
+            <pc:sldMk cId="1247466648" sldId="273"/>
+            <ac:spMk id="4" creationId="{CB105B6D-9708-4D3F-8738-4E92FD6BE38D}"/>
+          </ac:spMkLst>
+        </pc:spChg>
+      </pc:sldChg>
+      <pc:sldChg chg="addSp delSp modSp new mod">
+        <pc:chgData name="Toby Donaldson" userId="2e6e5431-bb17-4c41-9985-d39c50d83c73" providerId="ADAL" clId="{EDCFDE51-983B-4FDD-97E5-25FF63C5004E}" dt="2022-04-14T04:26:44.053" v="178" actId="20577"/>
+        <pc:sldMkLst>
+          <pc:docMk/>
+          <pc:sldMk cId="962438491" sldId="274"/>
+        </pc:sldMkLst>
+        <pc:spChg chg="mod">
+          <ac:chgData name="Toby Donaldson" userId="2e6e5431-bb17-4c41-9985-d39c50d83c73" providerId="ADAL" clId="{EDCFDE51-983B-4FDD-97E5-25FF63C5004E}" dt="2022-04-14T04:26:44.053" v="178" actId="20577"/>
+          <ac:spMkLst>
+            <pc:docMk/>
+            <pc:sldMk cId="962438491" sldId="274"/>
+            <ac:spMk id="2" creationId="{9D56FCE7-DB3A-40C9-92A2-796AAF385628}"/>
+          </ac:spMkLst>
+        </pc:spChg>
+        <pc:spChg chg="add mod">
+          <ac:chgData name="Toby Donaldson" userId="2e6e5431-bb17-4c41-9985-d39c50d83c73" providerId="ADAL" clId="{EDCFDE51-983B-4FDD-97E5-25FF63C5004E}" dt="2022-04-14T04:26:25.179" v="170" actId="12789"/>
+          <ac:spMkLst>
+            <pc:docMk/>
+            <pc:sldMk cId="962438491" sldId="274"/>
+            <ac:spMk id="3" creationId="{86F7C823-AF34-49AA-BF58-AFBD7E6149DE}"/>
+          </ac:spMkLst>
+        </pc:spChg>
+        <pc:grpChg chg="add mod">
+          <ac:chgData name="Toby Donaldson" userId="2e6e5431-bb17-4c41-9985-d39c50d83c73" providerId="ADAL" clId="{EDCFDE51-983B-4FDD-97E5-25FF63C5004E}" dt="2022-04-14T04:26:25.179" v="170" actId="12789"/>
+          <ac:grpSpMkLst>
+            <pc:docMk/>
+            <pc:sldMk cId="962438491" sldId="274"/>
+            <ac:grpSpMk id="4" creationId="{B2A44120-9C25-4E7C-896D-05337D9D4402}"/>
+          </ac:grpSpMkLst>
+        </pc:grpChg>
+        <pc:picChg chg="add mod modCrop">
+          <ac:chgData name="Toby Donaldson" userId="2e6e5431-bb17-4c41-9985-d39c50d83c73" providerId="ADAL" clId="{EDCFDE51-983B-4FDD-97E5-25FF63C5004E}" dt="2022-04-14T04:26:25.179" v="170" actId="12789"/>
+          <ac:picMkLst>
+            <pc:docMk/>
+            <pc:sldMk cId="962438491" sldId="274"/>
+            <ac:picMk id="6" creationId="{D367F33B-DDE3-4338-9BDA-E40691FED26F}"/>
+          </ac:picMkLst>
+        </pc:picChg>
+        <pc:picChg chg="add mod">
+          <ac:chgData name="Toby Donaldson" userId="2e6e5431-bb17-4c41-9985-d39c50d83c73" providerId="ADAL" clId="{EDCFDE51-983B-4FDD-97E5-25FF63C5004E}" dt="2022-04-14T04:26:25.179" v="170" actId="12789"/>
+          <ac:picMkLst>
+            <pc:docMk/>
+            <pc:sldMk cId="962438491" sldId="274"/>
+            <ac:picMk id="1026" creationId="{2DABC8AA-F36D-4F0F-8AAB-765E5AB1D1F0}"/>
+          </ac:picMkLst>
+        </pc:picChg>
+        <pc:picChg chg="add mod">
+          <ac:chgData name="Toby Donaldson" userId="2e6e5431-bb17-4c41-9985-d39c50d83c73" providerId="ADAL" clId="{EDCFDE51-983B-4FDD-97E5-25FF63C5004E}" dt="2022-04-14T04:26:25.179" v="170" actId="12789"/>
+          <ac:picMkLst>
+            <pc:docMk/>
+            <pc:sldMk cId="962438491" sldId="274"/>
+            <ac:picMk id="1028" creationId="{388C6D71-F4A0-4EB0-92DB-4DB4A80038F5}"/>
+          </ac:picMkLst>
+        </pc:picChg>
+        <pc:picChg chg="add del mod">
+          <ac:chgData name="Toby Donaldson" userId="2e6e5431-bb17-4c41-9985-d39c50d83c73" providerId="ADAL" clId="{EDCFDE51-983B-4FDD-97E5-25FF63C5004E}" dt="2022-04-14T04:18:53.767" v="125"/>
+          <ac:picMkLst>
+            <pc:docMk/>
+            <pc:sldMk cId="962438491" sldId="274"/>
+            <ac:picMk id="1030" creationId="{89527DB0-5995-46B0-90C5-7BEFA7719220}"/>
+          </ac:picMkLst>
+        </pc:picChg>
+        <pc:picChg chg="add mod">
+          <ac:chgData name="Toby Donaldson" userId="2e6e5431-bb17-4c41-9985-d39c50d83c73" providerId="ADAL" clId="{EDCFDE51-983B-4FDD-97E5-25FF63C5004E}" dt="2022-04-14T04:26:25.179" v="170" actId="12789"/>
+          <ac:picMkLst>
+            <pc:docMk/>
+            <pc:sldMk cId="962438491" sldId="274"/>
+            <ac:picMk id="1032" creationId="{805A6672-4091-4926-935F-1FF4D989ECD0}"/>
+          </ac:picMkLst>
+        </pc:picChg>
+        <pc:picChg chg="add del mod">
+          <ac:chgData name="Toby Donaldson" userId="2e6e5431-bb17-4c41-9985-d39c50d83c73" providerId="ADAL" clId="{EDCFDE51-983B-4FDD-97E5-25FF63C5004E}" dt="2022-04-14T04:22:02.605" v="140" actId="21"/>
+          <ac:picMkLst>
+            <pc:docMk/>
+            <pc:sldMk cId="962438491" sldId="274"/>
+            <ac:picMk id="1034" creationId="{629BEEBC-92C5-497A-BD36-885E12C86547}"/>
+          </ac:picMkLst>
+        </pc:picChg>
+        <pc:picChg chg="add del mod">
+          <ac:chgData name="Toby Donaldson" userId="2e6e5431-bb17-4c41-9985-d39c50d83c73" providerId="ADAL" clId="{EDCFDE51-983B-4FDD-97E5-25FF63C5004E}" dt="2022-04-14T04:22:10.622" v="143" actId="21"/>
+          <ac:picMkLst>
+            <pc:docMk/>
+            <pc:sldMk cId="962438491" sldId="274"/>
+            <ac:picMk id="1036" creationId="{7BC89D02-5E62-40AA-A5FC-220827C411C4}"/>
+          </ac:picMkLst>
+        </pc:picChg>
+        <pc:picChg chg="add del">
+          <ac:chgData name="Toby Donaldson" userId="2e6e5431-bb17-4c41-9985-d39c50d83c73" providerId="ADAL" clId="{EDCFDE51-983B-4FDD-97E5-25FF63C5004E}" dt="2022-04-14T04:22:30.921" v="145"/>
+          <ac:picMkLst>
+            <pc:docMk/>
+            <pc:sldMk cId="962438491" sldId="274"/>
+            <ac:picMk id="1038" creationId="{6CF754A3-3FE0-496B-BA5E-42231604C3EF}"/>
+          </ac:picMkLst>
+        </pc:picChg>
+        <pc:picChg chg="add del">
+          <ac:chgData name="Toby Donaldson" userId="2e6e5431-bb17-4c41-9985-d39c50d83c73" providerId="ADAL" clId="{EDCFDE51-983B-4FDD-97E5-25FF63C5004E}" dt="2022-04-14T04:22:59.960" v="147"/>
+          <ac:picMkLst>
+            <pc:docMk/>
+            <pc:sldMk cId="962438491" sldId="274"/>
+            <ac:picMk id="1040" creationId="{C0443BA5-FF5A-4C14-A6C1-30DC330E0370}"/>
+          </ac:picMkLst>
+        </pc:picChg>
+      </pc:sldChg>
+      <pc:sldChg chg="addSp modSp new mod modAnim">
+        <pc:chgData name="Toby Donaldson" userId="2e6e5431-bb17-4c41-9985-d39c50d83c73" providerId="ADAL" clId="{EDCFDE51-983B-4FDD-97E5-25FF63C5004E}" dt="2022-04-23T23:43:21.568" v="338" actId="20577"/>
+        <pc:sldMkLst>
+          <pc:docMk/>
+          <pc:sldMk cId="2446982689" sldId="275"/>
+        </pc:sldMkLst>
+        <pc:spChg chg="mod">
+          <ac:chgData name="Toby Donaldson" userId="2e6e5431-bb17-4c41-9985-d39c50d83c73" providerId="ADAL" clId="{EDCFDE51-983B-4FDD-97E5-25FF63C5004E}" dt="2022-04-23T23:43:21.568" v="338" actId="20577"/>
+          <ac:spMkLst>
+            <pc:docMk/>
+            <pc:sldMk cId="2446982689" sldId="275"/>
+            <ac:spMk id="2" creationId="{9E374E6F-0FF1-43DD-A06C-EF7571CCEA89}"/>
+          </ac:spMkLst>
+        </pc:spChg>
+        <pc:picChg chg="add mod">
+          <ac:chgData name="Toby Donaldson" userId="2e6e5431-bb17-4c41-9985-d39c50d83c73" providerId="ADAL" clId="{EDCFDE51-983B-4FDD-97E5-25FF63C5004E}" dt="2022-04-14T04:27:47.531" v="218" actId="1076"/>
+          <ac:picMkLst>
+            <pc:docMk/>
+            <pc:sldMk cId="2446982689" sldId="275"/>
+            <ac:picMk id="2050" creationId="{C7453A7F-640F-479A-865E-D328594C0BB3}"/>
+          </ac:picMkLst>
+        </pc:picChg>
+      </pc:sldChg>
+      <pc:sldChg chg="addSp modSp new mod modAnim">
+        <pc:chgData name="Toby Donaldson" userId="2e6e5431-bb17-4c41-9985-d39c50d83c73" providerId="ADAL" clId="{EDCFDE51-983B-4FDD-97E5-25FF63C5004E}" dt="2022-04-23T23:43:48.491" v="339"/>
+        <pc:sldMkLst>
+          <pc:docMk/>
+          <pc:sldMk cId="390346067" sldId="276"/>
+        </pc:sldMkLst>
+        <pc:spChg chg="mod">
+          <ac:chgData name="Toby Donaldson" userId="2e6e5431-bb17-4c41-9985-d39c50d83c73" providerId="ADAL" clId="{EDCFDE51-983B-4FDD-97E5-25FF63C5004E}" dt="2022-04-14T04:29:11.449" v="245" actId="20577"/>
+          <ac:spMkLst>
+            <pc:docMk/>
+            <pc:sldMk cId="390346067" sldId="276"/>
+            <ac:spMk id="2" creationId="{E7EFE3B9-A8FD-4AE1-B222-CF259E66F8E1}"/>
+          </ac:spMkLst>
+        </pc:spChg>
+        <pc:spChg chg="add mod">
+          <ac:chgData name="Toby Donaldson" userId="2e6e5431-bb17-4c41-9985-d39c50d83c73" providerId="ADAL" clId="{EDCFDE51-983B-4FDD-97E5-25FF63C5004E}" dt="2022-04-14T04:31:47.884" v="320" actId="20577"/>
+          <ac:spMkLst>
+            <pc:docMk/>
+            <pc:sldMk cId="390346067" sldId="276"/>
+            <ac:spMk id="3" creationId="{44141B78-E7ED-4D2B-B858-4927CEC46631}"/>
+          </ac:spMkLst>
+        </pc:spChg>
+        <pc:picChg chg="add mod">
+          <ac:chgData name="Toby Donaldson" userId="2e6e5431-bb17-4c41-9985-d39c50d83c73" providerId="ADAL" clId="{EDCFDE51-983B-4FDD-97E5-25FF63C5004E}" dt="2022-04-14T04:31:04.175" v="250" actId="1076"/>
+          <ac:picMkLst>
+            <pc:docMk/>
+            <pc:sldMk cId="390346067" sldId="276"/>
+            <ac:picMk id="3074" creationId="{ED48D2A1-A8F0-4421-8E7C-B34758DB1664}"/>
+          </ac:picMkLst>
+        </pc:picChg>
+      </pc:sldChg>
+      <pc:sldChg chg="addSp delSp modSp add mod modAnim">
+        <pc:chgData name="Toby Donaldson" userId="2e6e5431-bb17-4c41-9985-d39c50d83c73" providerId="ADAL" clId="{EDCFDE51-983B-4FDD-97E5-25FF63C5004E}" dt="2022-04-23T23:49:03.537" v="426"/>
+        <pc:sldMkLst>
+          <pc:docMk/>
+          <pc:sldMk cId="4198230947" sldId="277"/>
+        </pc:sldMkLst>
+        <pc:spChg chg="mod">
+          <ac:chgData name="Toby Donaldson" userId="2e6e5431-bb17-4c41-9985-d39c50d83c73" providerId="ADAL" clId="{EDCFDE51-983B-4FDD-97E5-25FF63C5004E}" dt="2022-04-23T23:46:08.853" v="374" actId="20577"/>
+          <ac:spMkLst>
+            <pc:docMk/>
+            <pc:sldMk cId="4198230947" sldId="277"/>
+            <ac:spMk id="2" creationId="{9E374E6F-0FF1-43DD-A06C-EF7571CCEA89}"/>
+          </ac:spMkLst>
+        </pc:spChg>
+        <pc:spChg chg="add mod">
+          <ac:chgData name="Toby Donaldson" userId="2e6e5431-bb17-4c41-9985-d39c50d83c73" providerId="ADAL" clId="{EDCFDE51-983B-4FDD-97E5-25FF63C5004E}" dt="2022-04-23T23:47:26.931" v="419" actId="20577"/>
+          <ac:spMkLst>
+            <pc:docMk/>
+            <pc:sldMk cId="4198230947" sldId="277"/>
+            <ac:spMk id="5" creationId="{8F75B901-2123-4EAE-9F0D-2187CE35C7C4}"/>
+          </ac:spMkLst>
+        </pc:spChg>
+        <pc:picChg chg="add mod">
+          <ac:chgData name="Toby Donaldson" userId="2e6e5431-bb17-4c41-9985-d39c50d83c73" providerId="ADAL" clId="{EDCFDE51-983B-4FDD-97E5-25FF63C5004E}" dt="2022-04-23T23:47:04.568" v="379" actId="1076"/>
+          <ac:picMkLst>
+            <pc:docMk/>
+            <pc:sldMk cId="4198230947" sldId="277"/>
+            <ac:picMk id="1026" creationId="{688D9953-FA34-4BD7-B2A8-BD81E65A7770}"/>
+          </ac:picMkLst>
+        </pc:picChg>
+        <pc:picChg chg="del">
+          <ac:chgData name="Toby Donaldson" userId="2e6e5431-bb17-4c41-9985-d39c50d83c73" providerId="ADAL" clId="{EDCFDE51-983B-4FDD-97E5-25FF63C5004E}" dt="2022-04-23T23:46:59.081" v="376" actId="21"/>
+          <ac:picMkLst>
+            <pc:docMk/>
+            <pc:sldMk cId="4198230947" sldId="277"/>
+            <ac:picMk id="2050" creationId="{C7453A7F-640F-479A-865E-D328594C0BB3}"/>
+          </ac:picMkLst>
+        </pc:picChg>
+      </pc:sldChg>
+      <pc:sldChg chg="addSp modSp mod">
+        <pc:chgData name="Toby Donaldson" userId="2e6e5431-bb17-4c41-9985-d39c50d83c73" providerId="ADAL" clId="{EDCFDE51-983B-4FDD-97E5-25FF63C5004E}" dt="2022-04-24T05:42:42.354" v="937" actId="114"/>
+        <pc:sldMkLst>
+          <pc:docMk/>
+          <pc:sldMk cId="598291729" sldId="278"/>
+        </pc:sldMkLst>
+        <pc:spChg chg="mod">
+          <ac:chgData name="Toby Donaldson" userId="2e6e5431-bb17-4c41-9985-d39c50d83c73" providerId="ADAL" clId="{EDCFDE51-983B-4FDD-97E5-25FF63C5004E}" dt="2022-04-24T05:42:33.147" v="935" actId="1076"/>
+          <ac:spMkLst>
+            <pc:docMk/>
+            <pc:sldMk cId="598291729" sldId="278"/>
+            <ac:spMk id="3" creationId="{8D326F70-6E73-48ED-853E-D802A1F7CD4A}"/>
+          </ac:spMkLst>
+        </pc:spChg>
+        <pc:spChg chg="mod">
+          <ac:chgData name="Toby Donaldson" userId="2e6e5431-bb17-4c41-9985-d39c50d83c73" providerId="ADAL" clId="{EDCFDE51-983B-4FDD-97E5-25FF63C5004E}" dt="2022-04-24T05:42:35.450" v="936" actId="1076"/>
+          <ac:spMkLst>
+            <pc:docMk/>
+            <pc:sldMk cId="598291729" sldId="278"/>
+            <ac:spMk id="4" creationId="{578C8077-C1D4-400C-BAE0-7AC48F397C35}"/>
+          </ac:spMkLst>
+        </pc:spChg>
+        <pc:spChg chg="mod">
+          <ac:chgData name="Toby Donaldson" userId="2e6e5431-bb17-4c41-9985-d39c50d83c73" providerId="ADAL" clId="{EDCFDE51-983B-4FDD-97E5-25FF63C5004E}" dt="2022-04-24T05:42:19.603" v="932" actId="12788"/>
+          <ac:spMkLst>
+            <pc:docMk/>
+            <pc:sldMk cId="598291729" sldId="278"/>
+            <ac:spMk id="7" creationId="{729F9EAB-E96A-4A13-B339-346BBE62D038}"/>
+          </ac:spMkLst>
+        </pc:spChg>
+        <pc:spChg chg="add mod">
+          <ac:chgData name="Toby Donaldson" userId="2e6e5431-bb17-4c41-9985-d39c50d83c73" providerId="ADAL" clId="{EDCFDE51-983B-4FDD-97E5-25FF63C5004E}" dt="2022-04-24T05:42:42.354" v="937" actId="114"/>
+          <ac:spMkLst>
+            <pc:docMk/>
+            <pc:sldMk cId="598291729" sldId="278"/>
+            <ac:spMk id="8" creationId="{4B2E5120-9846-4325-A51B-589BC6A79787}"/>
+          </ac:spMkLst>
+        </pc:spChg>
+        <pc:grpChg chg="mod">
+          <ac:chgData name="Toby Donaldson" userId="2e6e5431-bb17-4c41-9985-d39c50d83c73" providerId="ADAL" clId="{EDCFDE51-983B-4FDD-97E5-25FF63C5004E}" dt="2022-04-24T05:42:35.450" v="936" actId="1076"/>
+          <ac:grpSpMkLst>
+            <pc:docMk/>
+            <pc:sldMk cId="598291729" sldId="278"/>
+            <ac:grpSpMk id="2" creationId="{C7C7C6C7-9397-46B2-A2FF-C632EDA7C632}"/>
+          </ac:grpSpMkLst>
+        </pc:grpChg>
+        <pc:picChg chg="mod">
+          <ac:chgData name="Toby Donaldson" userId="2e6e5431-bb17-4c41-9985-d39c50d83c73" providerId="ADAL" clId="{EDCFDE51-983B-4FDD-97E5-25FF63C5004E}" dt="2022-04-24T05:42:19.603" v="932" actId="12788"/>
+          <ac:picMkLst>
+            <pc:docMk/>
+            <pc:sldMk cId="598291729" sldId="278"/>
+            <ac:picMk id="5" creationId="{2A3EA073-AB11-414C-9B52-4FAACFDEB101}"/>
+          </ac:picMkLst>
+        </pc:picChg>
+        <pc:picChg chg="mod">
+          <ac:chgData name="Toby Donaldson" userId="2e6e5431-bb17-4c41-9985-d39c50d83c73" providerId="ADAL" clId="{EDCFDE51-983B-4FDD-97E5-25FF63C5004E}" dt="2022-04-24T05:42:35.450" v="936" actId="1076"/>
+          <ac:picMkLst>
+            <pc:docMk/>
+            <pc:sldMk cId="598291729" sldId="278"/>
+            <ac:picMk id="2050" creationId="{D9EF78EA-B97C-4BC3-831F-ACE9C30B82C6}"/>
+          </ac:picMkLst>
+        </pc:picChg>
+      </pc:sldChg>
+      <pc:sldChg chg="add del">
+        <pc:chgData name="Toby Donaldson" userId="2e6e5431-bb17-4c41-9985-d39c50d83c73" providerId="ADAL" clId="{EDCFDE51-983B-4FDD-97E5-25FF63C5004E}" dt="2022-04-24T00:02:20.738" v="536" actId="2696"/>
+        <pc:sldMkLst>
+          <pc:docMk/>
+          <pc:sldMk cId="1740877424" sldId="278"/>
+        </pc:sldMkLst>
       </pc:sldChg>
     </pc:docChg>
   </pc:docChgLst>
@@ -376,6 +994,86 @@
     </pc:docChg>
   </pc:docChgLst>
   <pc:docChgLst>
+    <pc:chgData name="Toby Donaldson" userId="2e6e5431-bb17-4c41-9985-d39c50d83c73" providerId="ADAL" clId="{DE0381D5-D4F9-4A96-B5C4-0C220816D958}"/>
+    <pc:docChg chg="custSel modSld">
+      <pc:chgData name="Toby Donaldson" userId="2e6e5431-bb17-4c41-9985-d39c50d83c73" providerId="ADAL" clId="{DE0381D5-D4F9-4A96-B5C4-0C220816D958}" dt="2022-05-24T18:53:01.566" v="248" actId="1076"/>
+      <pc:docMkLst>
+        <pc:docMk/>
+      </pc:docMkLst>
+      <pc:sldChg chg="addSp modSp mod">
+        <pc:chgData name="Toby Donaldson" userId="2e6e5431-bb17-4c41-9985-d39c50d83c73" providerId="ADAL" clId="{DE0381D5-D4F9-4A96-B5C4-0C220816D958}" dt="2022-05-24T18:53:01.566" v="248" actId="1076"/>
+        <pc:sldMkLst>
+          <pc:docMk/>
+          <pc:sldMk cId="1031835898" sldId="272"/>
+        </pc:sldMkLst>
+        <pc:spChg chg="mod">
+          <ac:chgData name="Toby Donaldson" userId="2e6e5431-bb17-4c41-9985-d39c50d83c73" providerId="ADAL" clId="{DE0381D5-D4F9-4A96-B5C4-0C220816D958}" dt="2022-05-24T18:53:01.566" v="248" actId="1076"/>
+          <ac:spMkLst>
+            <pc:docMk/>
+            <pc:sldMk cId="1031835898" sldId="272"/>
+            <ac:spMk id="4" creationId="{8D140EF2-7A80-4170-96C7-C567343A91EE}"/>
+          </ac:spMkLst>
+        </pc:spChg>
+        <pc:spChg chg="mod">
+          <ac:chgData name="Toby Donaldson" userId="2e6e5431-bb17-4c41-9985-d39c50d83c73" providerId="ADAL" clId="{DE0381D5-D4F9-4A96-B5C4-0C220816D958}" dt="2022-05-24T18:44:36.457" v="3" actId="1076"/>
+          <ac:spMkLst>
+            <pc:docMk/>
+            <pc:sldMk cId="1031835898" sldId="272"/>
+            <ac:spMk id="8" creationId="{E2400FBB-A4E6-4E19-BEB2-E43F372AEDD9}"/>
+          </ac:spMkLst>
+        </pc:spChg>
+        <pc:picChg chg="add mod">
+          <ac:chgData name="Toby Donaldson" userId="2e6e5431-bb17-4c41-9985-d39c50d83c73" providerId="ADAL" clId="{DE0381D5-D4F9-4A96-B5C4-0C220816D958}" dt="2022-05-24T18:53:01.566" v="248" actId="1076"/>
+          <ac:picMkLst>
+            <pc:docMk/>
+            <pc:sldMk cId="1031835898" sldId="272"/>
+            <ac:picMk id="1026" creationId="{0A8AC247-F975-BABD-9782-1011B4AFE5A5}"/>
+          </ac:picMkLst>
+        </pc:picChg>
+        <pc:picChg chg="add mod">
+          <ac:chgData name="Toby Donaldson" userId="2e6e5431-bb17-4c41-9985-d39c50d83c73" providerId="ADAL" clId="{DE0381D5-D4F9-4A96-B5C4-0C220816D958}" dt="2022-05-24T18:53:01.566" v="248" actId="1076"/>
+          <ac:picMkLst>
+            <pc:docMk/>
+            <pc:sldMk cId="1031835898" sldId="272"/>
+            <ac:picMk id="1028" creationId="{52C2A71D-FF03-C075-5074-72FA836116BE}"/>
+          </ac:picMkLst>
+        </pc:picChg>
+        <pc:picChg chg="add mod">
+          <ac:chgData name="Toby Donaldson" userId="2e6e5431-bb17-4c41-9985-d39c50d83c73" providerId="ADAL" clId="{DE0381D5-D4F9-4A96-B5C4-0C220816D958}" dt="2022-05-24T18:53:01.566" v="248" actId="1076"/>
+          <ac:picMkLst>
+            <pc:docMk/>
+            <pc:sldMk cId="1031835898" sldId="272"/>
+            <ac:picMk id="1030" creationId="{E44ADBF0-025D-098F-13E0-FB01C16EAB94}"/>
+          </ac:picMkLst>
+        </pc:picChg>
+        <pc:picChg chg="add mod">
+          <ac:chgData name="Toby Donaldson" userId="2e6e5431-bb17-4c41-9985-d39c50d83c73" providerId="ADAL" clId="{DE0381D5-D4F9-4A96-B5C4-0C220816D958}" dt="2022-05-24T18:53:01.566" v="248" actId="1076"/>
+          <ac:picMkLst>
+            <pc:docMk/>
+            <pc:sldMk cId="1031835898" sldId="272"/>
+            <ac:picMk id="1032" creationId="{1AC057CC-8C87-60CA-6853-DA0404D59A02}"/>
+          </ac:picMkLst>
+        </pc:picChg>
+        <pc:picChg chg="add mod">
+          <ac:chgData name="Toby Donaldson" userId="2e6e5431-bb17-4c41-9985-d39c50d83c73" providerId="ADAL" clId="{DE0381D5-D4F9-4A96-B5C4-0C220816D958}" dt="2022-05-24T18:53:01.566" v="248" actId="1076"/>
+          <ac:picMkLst>
+            <pc:docMk/>
+            <pc:sldMk cId="1031835898" sldId="272"/>
+            <ac:picMk id="1034" creationId="{EFE049C1-7337-A814-7835-36CC180E713D}"/>
+          </ac:picMkLst>
+        </pc:picChg>
+        <pc:picChg chg="add mod">
+          <ac:chgData name="Toby Donaldson" userId="2e6e5431-bb17-4c41-9985-d39c50d83c73" providerId="ADAL" clId="{DE0381D5-D4F9-4A96-B5C4-0C220816D958}" dt="2022-05-24T18:53:01.566" v="248" actId="1076"/>
+          <ac:picMkLst>
+            <pc:docMk/>
+            <pc:sldMk cId="1031835898" sldId="272"/>
+            <ac:picMk id="1036" creationId="{1B156609-7DF5-B4FF-7C8D-3A1924D9F0F3}"/>
+          </ac:picMkLst>
+        </pc:picChg>
+      </pc:sldChg>
+    </pc:docChg>
+  </pc:docChgLst>
+  <pc:docChgLst>
     <pc:chgData name="Toby Donaldson" userId="2e6e5431-bb17-4c41-9985-d39c50d83c73" providerId="ADAL" clId="{B6F55248-A722-4CE1-9F34-43C0D06813D9}"/>
     <pc:docChg chg="undo redo custSel addSld delSld modSld sldOrd">
       <pc:chgData name="Toby Donaldson" userId="2e6e5431-bb17-4c41-9985-d39c50d83c73" providerId="ADAL" clId="{B6F55248-A722-4CE1-9F34-43C0D06813D9}" dt="2022-04-13T02:28:04.932" v="6815" actId="1076"/>
@@ -2011,624 +2709,6 @@
             <ac:spMk id="9" creationId="{178D6F5A-D987-4C02-881B-90B4B365B8EC}"/>
           </ac:spMkLst>
         </pc:spChg>
-      </pc:sldChg>
-    </pc:docChg>
-  </pc:docChgLst>
-  <pc:docChgLst>
-    <pc:chgData name="Toby Donaldson" userId="2e6e5431-bb17-4c41-9985-d39c50d83c73" providerId="ADAL" clId="{EDCFDE51-983B-4FDD-97E5-25FF63C5004E}"/>
-    <pc:docChg chg="undo redo custSel addSld delSld modSld sldOrd">
-      <pc:chgData name="Toby Donaldson" userId="2e6e5431-bb17-4c41-9985-d39c50d83c73" providerId="ADAL" clId="{EDCFDE51-983B-4FDD-97E5-25FF63C5004E}" dt="2022-04-24T05:44:22.267" v="943" actId="1076"/>
-      <pc:docMkLst>
-        <pc:docMk/>
-      </pc:docMkLst>
-      <pc:sldChg chg="addSp delSp modSp del mod">
-        <pc:chgData name="Toby Donaldson" userId="2e6e5431-bb17-4c41-9985-d39c50d83c73" providerId="ADAL" clId="{EDCFDE51-983B-4FDD-97E5-25FF63C5004E}" dt="2022-04-24T05:42:54.510" v="938" actId="2696"/>
-        <pc:sldMkLst>
-          <pc:docMk/>
-          <pc:sldMk cId="4078775610" sldId="258"/>
-        </pc:sldMkLst>
-        <pc:spChg chg="del">
-          <ac:chgData name="Toby Donaldson" userId="2e6e5431-bb17-4c41-9985-d39c50d83c73" providerId="ADAL" clId="{EDCFDE51-983B-4FDD-97E5-25FF63C5004E}" dt="2022-04-14T04:09:03.104" v="0" actId="21"/>
-          <ac:spMkLst>
-            <pc:docMk/>
-            <pc:sldMk cId="4078775610" sldId="258"/>
-            <ac:spMk id="3" creationId="{8D326F70-6E73-48ED-853E-D802A1F7CD4A}"/>
-          </ac:spMkLst>
-        </pc:spChg>
-        <pc:spChg chg="add mod">
-          <ac:chgData name="Toby Donaldson" userId="2e6e5431-bb17-4c41-9985-d39c50d83c73" providerId="ADAL" clId="{EDCFDE51-983B-4FDD-97E5-25FF63C5004E}" dt="2022-04-14T04:09:30.167" v="11" actId="1076"/>
-          <ac:spMkLst>
-            <pc:docMk/>
-            <pc:sldMk cId="4078775610" sldId="258"/>
-            <ac:spMk id="6" creationId="{DADD3996-086B-4692-A3A4-BB9078B02325}"/>
-          </ac:spMkLst>
-        </pc:spChg>
-        <pc:spChg chg="del">
-          <ac:chgData name="Toby Donaldson" userId="2e6e5431-bb17-4c41-9985-d39c50d83c73" providerId="ADAL" clId="{EDCFDE51-983B-4FDD-97E5-25FF63C5004E}" dt="2022-04-14T04:09:10.766" v="2" actId="21"/>
-          <ac:spMkLst>
-            <pc:docMk/>
-            <pc:sldMk cId="4078775610" sldId="258"/>
-            <ac:spMk id="7" creationId="{729F9EAB-E96A-4A13-B339-346BBE62D038}"/>
-          </ac:spMkLst>
-        </pc:spChg>
-        <pc:grpChg chg="del">
-          <ac:chgData name="Toby Donaldson" userId="2e6e5431-bb17-4c41-9985-d39c50d83c73" providerId="ADAL" clId="{EDCFDE51-983B-4FDD-97E5-25FF63C5004E}" dt="2022-04-14T04:09:07.266" v="1" actId="21"/>
-          <ac:grpSpMkLst>
-            <pc:docMk/>
-            <pc:sldMk cId="4078775610" sldId="258"/>
-            <ac:grpSpMk id="2" creationId="{C7C7C6C7-9397-46B2-A2FF-C632EDA7C632}"/>
-          </ac:grpSpMkLst>
-        </pc:grpChg>
-        <pc:picChg chg="mod">
-          <ac:chgData name="Toby Donaldson" userId="2e6e5431-bb17-4c41-9985-d39c50d83c73" providerId="ADAL" clId="{EDCFDE51-983B-4FDD-97E5-25FF63C5004E}" dt="2022-04-14T04:09:27.619" v="10" actId="1076"/>
-          <ac:picMkLst>
-            <pc:docMk/>
-            <pc:sldMk cId="4078775610" sldId="258"/>
-            <ac:picMk id="5" creationId="{2A3EA073-AB11-414C-9B52-4FAACFDEB101}"/>
-          </ac:picMkLst>
-        </pc:picChg>
-      </pc:sldChg>
-      <pc:sldChg chg="addSp modSp mod">
-        <pc:chgData name="Toby Donaldson" userId="2e6e5431-bb17-4c41-9985-d39c50d83c73" providerId="ADAL" clId="{EDCFDE51-983B-4FDD-97E5-25FF63C5004E}" dt="2022-04-24T00:05:09.693" v="701" actId="1076"/>
-        <pc:sldMkLst>
-          <pc:docMk/>
-          <pc:sldMk cId="2414411496" sldId="260"/>
-        </pc:sldMkLst>
-        <pc:spChg chg="mod">
-          <ac:chgData name="Toby Donaldson" userId="2e6e5431-bb17-4c41-9985-d39c50d83c73" providerId="ADAL" clId="{EDCFDE51-983B-4FDD-97E5-25FF63C5004E}" dt="2022-04-19T06:46:20.759" v="330" actId="27636"/>
-          <ac:spMkLst>
-            <pc:docMk/>
-            <pc:sldMk cId="2414411496" sldId="260"/>
-            <ac:spMk id="3" creationId="{E45AFAE3-7D9D-4DB0-A01B-CD046F1E7D5F}"/>
-          </ac:spMkLst>
-        </pc:spChg>
-        <pc:spChg chg="add mod">
-          <ac:chgData name="Toby Donaldson" userId="2e6e5431-bb17-4c41-9985-d39c50d83c73" providerId="ADAL" clId="{EDCFDE51-983B-4FDD-97E5-25FF63C5004E}" dt="2022-04-24T00:05:09.693" v="701" actId="1076"/>
-          <ac:spMkLst>
-            <pc:docMk/>
-            <pc:sldMk cId="2414411496" sldId="260"/>
-            <ac:spMk id="4" creationId="{79E0F8C3-8A4E-4D65-AF48-A65148BFB617}"/>
-          </ac:spMkLst>
-        </pc:spChg>
-        <pc:spChg chg="add mod">
-          <ac:chgData name="Toby Donaldson" userId="2e6e5431-bb17-4c41-9985-d39c50d83c73" providerId="ADAL" clId="{EDCFDE51-983B-4FDD-97E5-25FF63C5004E}" dt="2022-04-24T00:05:05.527" v="700" actId="1076"/>
-          <ac:spMkLst>
-            <pc:docMk/>
-            <pc:sldMk cId="2414411496" sldId="260"/>
-            <ac:spMk id="5" creationId="{F6F8BE28-16A2-43FB-B28E-AC71885AC56E}"/>
-          </ac:spMkLst>
-        </pc:spChg>
-      </pc:sldChg>
-      <pc:sldChg chg="addSp modSp mod">
-        <pc:chgData name="Toby Donaldson" userId="2e6e5431-bb17-4c41-9985-d39c50d83c73" providerId="ADAL" clId="{EDCFDE51-983B-4FDD-97E5-25FF63C5004E}" dt="2022-04-24T05:44:22.267" v="943" actId="1076"/>
-        <pc:sldMkLst>
-          <pc:docMk/>
-          <pc:sldMk cId="247949623" sldId="261"/>
-        </pc:sldMkLst>
-        <pc:spChg chg="mod">
-          <ac:chgData name="Toby Donaldson" userId="2e6e5431-bb17-4c41-9985-d39c50d83c73" providerId="ADAL" clId="{EDCFDE51-983B-4FDD-97E5-25FF63C5004E}" dt="2022-04-24T05:43:48.387" v="941" actId="20577"/>
-          <ac:spMkLst>
-            <pc:docMk/>
-            <pc:sldMk cId="247949623" sldId="261"/>
-            <ac:spMk id="3" creationId="{E45AFAE3-7D9D-4DB0-A01B-CD046F1E7D5F}"/>
-          </ac:spMkLst>
-        </pc:spChg>
-        <pc:spChg chg="add mod">
-          <ac:chgData name="Toby Donaldson" userId="2e6e5431-bb17-4c41-9985-d39c50d83c73" providerId="ADAL" clId="{EDCFDE51-983B-4FDD-97E5-25FF63C5004E}" dt="2022-04-24T05:44:22.267" v="943" actId="1076"/>
-          <ac:spMkLst>
-            <pc:docMk/>
-            <pc:sldMk cId="247949623" sldId="261"/>
-            <ac:spMk id="4" creationId="{6B61A8D3-4B08-471E-9F40-F5FE22F6431B}"/>
-          </ac:spMkLst>
-        </pc:spChg>
-        <pc:spChg chg="add mod">
-          <ac:chgData name="Toby Donaldson" userId="2e6e5431-bb17-4c41-9985-d39c50d83c73" providerId="ADAL" clId="{EDCFDE51-983B-4FDD-97E5-25FF63C5004E}" dt="2022-04-24T00:06:40.960" v="815" actId="688"/>
-          <ac:spMkLst>
-            <pc:docMk/>
-            <pc:sldMk cId="247949623" sldId="261"/>
-            <ac:spMk id="5" creationId="{568288FB-8559-41AB-827C-D6A2E66D2804}"/>
-          </ac:spMkLst>
-        </pc:spChg>
-      </pc:sldChg>
-      <pc:sldChg chg="addSp modSp mod">
-        <pc:chgData name="Toby Donaldson" userId="2e6e5431-bb17-4c41-9985-d39c50d83c73" providerId="ADAL" clId="{EDCFDE51-983B-4FDD-97E5-25FF63C5004E}" dt="2022-04-24T00:08:18.517" v="927" actId="1076"/>
-        <pc:sldMkLst>
-          <pc:docMk/>
-          <pc:sldMk cId="3774670057" sldId="263"/>
-        </pc:sldMkLst>
-        <pc:spChg chg="mod">
-          <ac:chgData name="Toby Donaldson" userId="2e6e5431-bb17-4c41-9985-d39c50d83c73" providerId="ADAL" clId="{EDCFDE51-983B-4FDD-97E5-25FF63C5004E}" dt="2022-04-19T06:46:13.386" v="328" actId="27636"/>
-          <ac:spMkLst>
-            <pc:docMk/>
-            <pc:sldMk cId="3774670057" sldId="263"/>
-            <ac:spMk id="3" creationId="{E45AFAE3-7D9D-4DB0-A01B-CD046F1E7D5F}"/>
-          </ac:spMkLst>
-        </pc:spChg>
-        <pc:spChg chg="add mod">
-          <ac:chgData name="Toby Donaldson" userId="2e6e5431-bb17-4c41-9985-d39c50d83c73" providerId="ADAL" clId="{EDCFDE51-983B-4FDD-97E5-25FF63C5004E}" dt="2022-04-24T00:08:11.022" v="925" actId="1076"/>
-          <ac:spMkLst>
-            <pc:docMk/>
-            <pc:sldMk cId="3774670057" sldId="263"/>
-            <ac:spMk id="4" creationId="{0CD00CDE-196A-4552-B023-0333B7AD5421}"/>
-          </ac:spMkLst>
-        </pc:spChg>
-        <pc:spChg chg="add mod">
-          <ac:chgData name="Toby Donaldson" userId="2e6e5431-bb17-4c41-9985-d39c50d83c73" providerId="ADAL" clId="{EDCFDE51-983B-4FDD-97E5-25FF63C5004E}" dt="2022-04-24T00:08:18.517" v="927" actId="1076"/>
-          <ac:spMkLst>
-            <pc:docMk/>
-            <pc:sldMk cId="3774670057" sldId="263"/>
-            <ac:spMk id="5" creationId="{A74B55C4-CE2C-4690-AC47-C8BB18081FD4}"/>
-          </ac:spMkLst>
-        </pc:spChg>
-      </pc:sldChg>
-      <pc:sldChg chg="ord">
-        <pc:chgData name="Toby Donaldson" userId="2e6e5431-bb17-4c41-9985-d39c50d83c73" providerId="ADAL" clId="{EDCFDE51-983B-4FDD-97E5-25FF63C5004E}" dt="2022-04-24T00:02:08.759" v="533"/>
-        <pc:sldMkLst>
-          <pc:docMk/>
-          <pc:sldMk cId="2446324911" sldId="265"/>
-        </pc:sldMkLst>
-      </pc:sldChg>
-      <pc:sldChg chg="addSp delSp modSp mod ord">
-        <pc:chgData name="Toby Donaldson" userId="2e6e5431-bb17-4c41-9985-d39c50d83c73" providerId="ADAL" clId="{EDCFDE51-983B-4FDD-97E5-25FF63C5004E}" dt="2022-04-24T00:02:14.044" v="535"/>
-        <pc:sldMkLst>
-          <pc:docMk/>
-          <pc:sldMk cId="2513690197" sldId="266"/>
-        </pc:sldMkLst>
-        <pc:spChg chg="mod">
-          <ac:chgData name="Toby Donaldson" userId="2e6e5431-bb17-4c41-9985-d39c50d83c73" providerId="ADAL" clId="{EDCFDE51-983B-4FDD-97E5-25FF63C5004E}" dt="2022-04-14T04:11:51.528" v="36" actId="1076"/>
-          <ac:spMkLst>
-            <pc:docMk/>
-            <pc:sldMk cId="2513690197" sldId="266"/>
-            <ac:spMk id="3" creationId="{3FF8B6F5-B7C4-45FC-86DA-6C2C9F035E96}"/>
-          </ac:spMkLst>
-        </pc:spChg>
-        <pc:spChg chg="del">
-          <ac:chgData name="Toby Donaldson" userId="2e6e5431-bb17-4c41-9985-d39c50d83c73" providerId="ADAL" clId="{EDCFDE51-983B-4FDD-97E5-25FF63C5004E}" dt="2022-04-14T04:11:05.227" v="15" actId="21"/>
-          <ac:spMkLst>
-            <pc:docMk/>
-            <pc:sldMk cId="2513690197" sldId="266"/>
-            <ac:spMk id="4" creationId="{8D140EF2-7A80-4170-96C7-C567343A91EE}"/>
-          </ac:spMkLst>
-        </pc:spChg>
-        <pc:spChg chg="del">
-          <ac:chgData name="Toby Donaldson" userId="2e6e5431-bb17-4c41-9985-d39c50d83c73" providerId="ADAL" clId="{EDCFDE51-983B-4FDD-97E5-25FF63C5004E}" dt="2022-04-14T04:11:05.227" v="15" actId="21"/>
-          <ac:spMkLst>
-            <pc:docMk/>
-            <pc:sldMk cId="2513690197" sldId="266"/>
-            <ac:spMk id="8" creationId="{E2400FBB-A4E6-4E19-BEB2-E43F372AEDD9}"/>
-          </ac:spMkLst>
-        </pc:spChg>
-        <pc:spChg chg="add mod">
-          <ac:chgData name="Toby Donaldson" userId="2e6e5431-bb17-4c41-9985-d39c50d83c73" providerId="ADAL" clId="{EDCFDE51-983B-4FDD-97E5-25FF63C5004E}" dt="2022-04-14T04:11:54.285" v="37" actId="1076"/>
-          <ac:spMkLst>
-            <pc:docMk/>
-            <pc:sldMk cId="2513690197" sldId="266"/>
-            <ac:spMk id="9" creationId="{BF26BE97-798D-49EF-9786-87FD00E7C872}"/>
-          </ac:spMkLst>
-        </pc:spChg>
-        <pc:graphicFrameChg chg="del">
-          <ac:chgData name="Toby Donaldson" userId="2e6e5431-bb17-4c41-9985-d39c50d83c73" providerId="ADAL" clId="{EDCFDE51-983B-4FDD-97E5-25FF63C5004E}" dt="2022-04-14T04:11:05.227" v="15" actId="21"/>
-          <ac:graphicFrameMkLst>
-            <pc:docMk/>
-            <pc:sldMk cId="2513690197" sldId="266"/>
-            <ac:graphicFrameMk id="5" creationId="{40085C16-0B61-42F1-98B2-503E1961B2D2}"/>
-          </ac:graphicFrameMkLst>
-        </pc:graphicFrameChg>
-        <pc:picChg chg="mod">
-          <ac:chgData name="Toby Donaldson" userId="2e6e5431-bb17-4c41-9985-d39c50d83c73" providerId="ADAL" clId="{EDCFDE51-983B-4FDD-97E5-25FF63C5004E}" dt="2022-04-14T04:11:17.092" v="19" actId="14100"/>
-          <ac:picMkLst>
-            <pc:docMk/>
-            <pc:sldMk cId="2513690197" sldId="266"/>
-            <ac:picMk id="7" creationId="{128E5F7F-5BC8-4569-A9FA-5DAD8E043937}"/>
-          </ac:picMkLst>
-        </pc:picChg>
-      </pc:sldChg>
-      <pc:sldChg chg="modSp mod">
-        <pc:chgData name="Toby Donaldson" userId="2e6e5431-bb17-4c41-9985-d39c50d83c73" providerId="ADAL" clId="{EDCFDE51-983B-4FDD-97E5-25FF63C5004E}" dt="2022-04-24T05:43:27.704" v="940" actId="1076"/>
-        <pc:sldMkLst>
-          <pc:docMk/>
-          <pc:sldMk cId="2072605454" sldId="270"/>
-        </pc:sldMkLst>
-        <pc:spChg chg="mod">
-          <ac:chgData name="Toby Donaldson" userId="2e6e5431-bb17-4c41-9985-d39c50d83c73" providerId="ADAL" clId="{EDCFDE51-983B-4FDD-97E5-25FF63C5004E}" dt="2022-04-24T00:03:15.150" v="539"/>
-          <ac:spMkLst>
-            <pc:docMk/>
-            <pc:sldMk cId="2072605454" sldId="270"/>
-            <ac:spMk id="3" creationId="{9D85EADE-0C03-49DA-BB59-0942833F47FA}"/>
-          </ac:spMkLst>
-        </pc:spChg>
-        <pc:spChg chg="mod">
-          <ac:chgData name="Toby Donaldson" userId="2e6e5431-bb17-4c41-9985-d39c50d83c73" providerId="ADAL" clId="{EDCFDE51-983B-4FDD-97E5-25FF63C5004E}" dt="2022-04-24T05:43:27.704" v="940" actId="1076"/>
-          <ac:spMkLst>
-            <pc:docMk/>
-            <pc:sldMk cId="2072605454" sldId="270"/>
-            <ac:spMk id="5" creationId="{17720DB2-6405-4D41-B342-518B575893A4}"/>
-          </ac:spMkLst>
-        </pc:spChg>
-        <pc:spChg chg="mod">
-          <ac:chgData name="Toby Donaldson" userId="2e6e5431-bb17-4c41-9985-d39c50d83c73" providerId="ADAL" clId="{EDCFDE51-983B-4FDD-97E5-25FF63C5004E}" dt="2022-04-24T00:03:42.363" v="560" actId="20577"/>
-          <ac:spMkLst>
-            <pc:docMk/>
-            <pc:sldMk cId="2072605454" sldId="270"/>
-            <ac:spMk id="6" creationId="{D47E401A-84BD-4DD8-8927-0E34EE1044A2}"/>
-          </ac:spMkLst>
-        </pc:spChg>
-        <pc:spChg chg="mod">
-          <ac:chgData name="Toby Donaldson" userId="2e6e5431-bb17-4c41-9985-d39c50d83c73" providerId="ADAL" clId="{EDCFDE51-983B-4FDD-97E5-25FF63C5004E}" dt="2022-04-24T00:02:53.333" v="537" actId="2085"/>
-          <ac:spMkLst>
-            <pc:docMk/>
-            <pc:sldMk cId="2072605454" sldId="270"/>
-            <ac:spMk id="7" creationId="{9D4F540D-54AA-445E-A7CD-6F91D946B605}"/>
-          </ac:spMkLst>
-        </pc:spChg>
-      </pc:sldChg>
-      <pc:sldChg chg="addSp delSp modSp add mod">
-        <pc:chgData name="Toby Donaldson" userId="2e6e5431-bb17-4c41-9985-d39c50d83c73" providerId="ADAL" clId="{EDCFDE51-983B-4FDD-97E5-25FF63C5004E}" dt="2022-04-24T00:00:41.098" v="530" actId="27636"/>
-        <pc:sldMkLst>
-          <pc:docMk/>
-          <pc:sldMk cId="1031835898" sldId="272"/>
-        </pc:sldMkLst>
-        <pc:spChg chg="del">
-          <ac:chgData name="Toby Donaldson" userId="2e6e5431-bb17-4c41-9985-d39c50d83c73" providerId="ADAL" clId="{EDCFDE51-983B-4FDD-97E5-25FF63C5004E}" dt="2022-04-24T00:00:03.541" v="519" actId="21"/>
-          <ac:spMkLst>
-            <pc:docMk/>
-            <pc:sldMk cId="1031835898" sldId="272"/>
-            <ac:spMk id="2" creationId="{AFC4F8B7-DF69-4161-80D5-5D65C38F8A33}"/>
-          </ac:spMkLst>
-        </pc:spChg>
-        <pc:spChg chg="del">
-          <ac:chgData name="Toby Donaldson" userId="2e6e5431-bb17-4c41-9985-d39c50d83c73" providerId="ADAL" clId="{EDCFDE51-983B-4FDD-97E5-25FF63C5004E}" dt="2022-04-24T00:00:03.541" v="519" actId="21"/>
-          <ac:spMkLst>
-            <pc:docMk/>
-            <pc:sldMk cId="1031835898" sldId="272"/>
-            <ac:spMk id="3" creationId="{3FF8B6F5-B7C4-45FC-86DA-6C2C9F035E96}"/>
-          </ac:spMkLst>
-        </pc:spChg>
-        <pc:spChg chg="mod">
-          <ac:chgData name="Toby Donaldson" userId="2e6e5431-bb17-4c41-9985-d39c50d83c73" providerId="ADAL" clId="{EDCFDE51-983B-4FDD-97E5-25FF63C5004E}" dt="2022-04-24T00:00:41.098" v="530" actId="27636"/>
-          <ac:spMkLst>
-            <pc:docMk/>
-            <pc:sldMk cId="1031835898" sldId="272"/>
-            <ac:spMk id="4" creationId="{8D140EF2-7A80-4170-96C7-C567343A91EE}"/>
-          </ac:spMkLst>
-        </pc:spChg>
-        <pc:spChg chg="mod">
-          <ac:chgData name="Toby Donaldson" userId="2e6e5431-bb17-4c41-9985-d39c50d83c73" providerId="ADAL" clId="{EDCFDE51-983B-4FDD-97E5-25FF63C5004E}" dt="2022-04-24T00:00:28.879" v="524" actId="1076"/>
-          <ac:spMkLst>
-            <pc:docMk/>
-            <pc:sldMk cId="1031835898" sldId="272"/>
-            <ac:spMk id="8" creationId="{E2400FBB-A4E6-4E19-BEB2-E43F372AEDD9}"/>
-          </ac:spMkLst>
-        </pc:spChg>
-        <pc:spChg chg="add del mod">
-          <ac:chgData name="Toby Donaldson" userId="2e6e5431-bb17-4c41-9985-d39c50d83c73" providerId="ADAL" clId="{EDCFDE51-983B-4FDD-97E5-25FF63C5004E}" dt="2022-04-24T00:00:08.412" v="520" actId="21"/>
-          <ac:spMkLst>
-            <pc:docMk/>
-            <pc:sldMk cId="1031835898" sldId="272"/>
-            <ac:spMk id="9" creationId="{8E50EDD2-2B78-4F98-A9CF-DA7B82080AB2}"/>
-          </ac:spMkLst>
-        </pc:spChg>
-        <pc:spChg chg="add del mod">
-          <ac:chgData name="Toby Donaldson" userId="2e6e5431-bb17-4c41-9985-d39c50d83c73" providerId="ADAL" clId="{EDCFDE51-983B-4FDD-97E5-25FF63C5004E}" dt="2022-04-24T00:00:11.453" v="521" actId="21"/>
-          <ac:spMkLst>
-            <pc:docMk/>
-            <pc:sldMk cId="1031835898" sldId="272"/>
-            <ac:spMk id="11" creationId="{14D8F501-70E3-4F56-968E-FF02D6A07418}"/>
-          </ac:spMkLst>
-        </pc:spChg>
-        <pc:graphicFrameChg chg="del">
-          <ac:chgData name="Toby Donaldson" userId="2e6e5431-bb17-4c41-9985-d39c50d83c73" providerId="ADAL" clId="{EDCFDE51-983B-4FDD-97E5-25FF63C5004E}" dt="2022-04-23T23:49:55.181" v="427" actId="21"/>
-          <ac:graphicFrameMkLst>
-            <pc:docMk/>
-            <pc:sldMk cId="1031835898" sldId="272"/>
-            <ac:graphicFrameMk id="5" creationId="{40085C16-0B61-42F1-98B2-503E1961B2D2}"/>
-          </ac:graphicFrameMkLst>
-        </pc:graphicFrameChg>
-        <pc:picChg chg="del mod">
-          <ac:chgData name="Toby Donaldson" userId="2e6e5431-bb17-4c41-9985-d39c50d83c73" providerId="ADAL" clId="{EDCFDE51-983B-4FDD-97E5-25FF63C5004E}" dt="2022-04-24T00:00:03.541" v="519" actId="21"/>
-          <ac:picMkLst>
-            <pc:docMk/>
-            <pc:sldMk cId="1031835898" sldId="272"/>
-            <ac:picMk id="7" creationId="{128E5F7F-5BC8-4569-A9FA-5DAD8E043937}"/>
-          </ac:picMkLst>
-        </pc:picChg>
-      </pc:sldChg>
-      <pc:sldChg chg="addSp delSp modSp new mod modClrScheme chgLayout">
-        <pc:chgData name="Toby Donaldson" userId="2e6e5431-bb17-4c41-9985-d39c50d83c73" providerId="ADAL" clId="{EDCFDE51-983B-4FDD-97E5-25FF63C5004E}" dt="2022-04-24T00:01:54.926" v="531" actId="20577"/>
-        <pc:sldMkLst>
-          <pc:docMk/>
-          <pc:sldMk cId="1247466648" sldId="273"/>
-        </pc:sldMkLst>
-        <pc:spChg chg="del mod ord">
-          <ac:chgData name="Toby Donaldson" userId="2e6e5431-bb17-4c41-9985-d39c50d83c73" providerId="ADAL" clId="{EDCFDE51-983B-4FDD-97E5-25FF63C5004E}" dt="2022-04-14T04:12:22.622" v="39" actId="700"/>
-          <ac:spMkLst>
-            <pc:docMk/>
-            <pc:sldMk cId="1247466648" sldId="273"/>
-            <ac:spMk id="2" creationId="{94E2BDCE-C2B8-4693-8CBB-3928303923D9}"/>
-          </ac:spMkLst>
-        </pc:spChg>
-        <pc:spChg chg="del">
-          <ac:chgData name="Toby Donaldson" userId="2e6e5431-bb17-4c41-9985-d39c50d83c73" providerId="ADAL" clId="{EDCFDE51-983B-4FDD-97E5-25FF63C5004E}" dt="2022-04-14T04:12:22.622" v="39" actId="700"/>
-          <ac:spMkLst>
-            <pc:docMk/>
-            <pc:sldMk cId="1247466648" sldId="273"/>
-            <ac:spMk id="3" creationId="{9C89E1F6-5B48-415E-8E3E-C937EEE98FCE}"/>
-          </ac:spMkLst>
-        </pc:spChg>
-        <pc:spChg chg="add mod ord">
-          <ac:chgData name="Toby Donaldson" userId="2e6e5431-bb17-4c41-9985-d39c50d83c73" providerId="ADAL" clId="{EDCFDE51-983B-4FDD-97E5-25FF63C5004E}" dt="2022-04-24T00:01:54.926" v="531" actId="20577"/>
-          <ac:spMkLst>
-            <pc:docMk/>
-            <pc:sldMk cId="1247466648" sldId="273"/>
-            <ac:spMk id="4" creationId="{CB105B6D-9708-4D3F-8738-4E92FD6BE38D}"/>
-          </ac:spMkLst>
-        </pc:spChg>
-      </pc:sldChg>
-      <pc:sldChg chg="addSp delSp modSp new mod">
-        <pc:chgData name="Toby Donaldson" userId="2e6e5431-bb17-4c41-9985-d39c50d83c73" providerId="ADAL" clId="{EDCFDE51-983B-4FDD-97E5-25FF63C5004E}" dt="2022-04-14T04:26:44.053" v="178" actId="20577"/>
-        <pc:sldMkLst>
-          <pc:docMk/>
-          <pc:sldMk cId="962438491" sldId="274"/>
-        </pc:sldMkLst>
-        <pc:spChg chg="mod">
-          <ac:chgData name="Toby Donaldson" userId="2e6e5431-bb17-4c41-9985-d39c50d83c73" providerId="ADAL" clId="{EDCFDE51-983B-4FDD-97E5-25FF63C5004E}" dt="2022-04-14T04:26:44.053" v="178" actId="20577"/>
-          <ac:spMkLst>
-            <pc:docMk/>
-            <pc:sldMk cId="962438491" sldId="274"/>
-            <ac:spMk id="2" creationId="{9D56FCE7-DB3A-40C9-92A2-796AAF385628}"/>
-          </ac:spMkLst>
-        </pc:spChg>
-        <pc:spChg chg="add mod">
-          <ac:chgData name="Toby Donaldson" userId="2e6e5431-bb17-4c41-9985-d39c50d83c73" providerId="ADAL" clId="{EDCFDE51-983B-4FDD-97E5-25FF63C5004E}" dt="2022-04-14T04:26:25.179" v="170" actId="12789"/>
-          <ac:spMkLst>
-            <pc:docMk/>
-            <pc:sldMk cId="962438491" sldId="274"/>
-            <ac:spMk id="3" creationId="{86F7C823-AF34-49AA-BF58-AFBD7E6149DE}"/>
-          </ac:spMkLst>
-        </pc:spChg>
-        <pc:grpChg chg="add mod">
-          <ac:chgData name="Toby Donaldson" userId="2e6e5431-bb17-4c41-9985-d39c50d83c73" providerId="ADAL" clId="{EDCFDE51-983B-4FDD-97E5-25FF63C5004E}" dt="2022-04-14T04:26:25.179" v="170" actId="12789"/>
-          <ac:grpSpMkLst>
-            <pc:docMk/>
-            <pc:sldMk cId="962438491" sldId="274"/>
-            <ac:grpSpMk id="4" creationId="{B2A44120-9C25-4E7C-896D-05337D9D4402}"/>
-          </ac:grpSpMkLst>
-        </pc:grpChg>
-        <pc:picChg chg="add mod modCrop">
-          <ac:chgData name="Toby Donaldson" userId="2e6e5431-bb17-4c41-9985-d39c50d83c73" providerId="ADAL" clId="{EDCFDE51-983B-4FDD-97E5-25FF63C5004E}" dt="2022-04-14T04:26:25.179" v="170" actId="12789"/>
-          <ac:picMkLst>
-            <pc:docMk/>
-            <pc:sldMk cId="962438491" sldId="274"/>
-            <ac:picMk id="6" creationId="{D367F33B-DDE3-4338-9BDA-E40691FED26F}"/>
-          </ac:picMkLst>
-        </pc:picChg>
-        <pc:picChg chg="add mod">
-          <ac:chgData name="Toby Donaldson" userId="2e6e5431-bb17-4c41-9985-d39c50d83c73" providerId="ADAL" clId="{EDCFDE51-983B-4FDD-97E5-25FF63C5004E}" dt="2022-04-14T04:26:25.179" v="170" actId="12789"/>
-          <ac:picMkLst>
-            <pc:docMk/>
-            <pc:sldMk cId="962438491" sldId="274"/>
-            <ac:picMk id="1026" creationId="{2DABC8AA-F36D-4F0F-8AAB-765E5AB1D1F0}"/>
-          </ac:picMkLst>
-        </pc:picChg>
-        <pc:picChg chg="add mod">
-          <ac:chgData name="Toby Donaldson" userId="2e6e5431-bb17-4c41-9985-d39c50d83c73" providerId="ADAL" clId="{EDCFDE51-983B-4FDD-97E5-25FF63C5004E}" dt="2022-04-14T04:26:25.179" v="170" actId="12789"/>
-          <ac:picMkLst>
-            <pc:docMk/>
-            <pc:sldMk cId="962438491" sldId="274"/>
-            <ac:picMk id="1028" creationId="{388C6D71-F4A0-4EB0-92DB-4DB4A80038F5}"/>
-          </ac:picMkLst>
-        </pc:picChg>
-        <pc:picChg chg="add del mod">
-          <ac:chgData name="Toby Donaldson" userId="2e6e5431-bb17-4c41-9985-d39c50d83c73" providerId="ADAL" clId="{EDCFDE51-983B-4FDD-97E5-25FF63C5004E}" dt="2022-04-14T04:18:53.767" v="125"/>
-          <ac:picMkLst>
-            <pc:docMk/>
-            <pc:sldMk cId="962438491" sldId="274"/>
-            <ac:picMk id="1030" creationId="{89527DB0-5995-46B0-90C5-7BEFA7719220}"/>
-          </ac:picMkLst>
-        </pc:picChg>
-        <pc:picChg chg="add mod">
-          <ac:chgData name="Toby Donaldson" userId="2e6e5431-bb17-4c41-9985-d39c50d83c73" providerId="ADAL" clId="{EDCFDE51-983B-4FDD-97E5-25FF63C5004E}" dt="2022-04-14T04:26:25.179" v="170" actId="12789"/>
-          <ac:picMkLst>
-            <pc:docMk/>
-            <pc:sldMk cId="962438491" sldId="274"/>
-            <ac:picMk id="1032" creationId="{805A6672-4091-4926-935F-1FF4D989ECD0}"/>
-          </ac:picMkLst>
-        </pc:picChg>
-        <pc:picChg chg="add del mod">
-          <ac:chgData name="Toby Donaldson" userId="2e6e5431-bb17-4c41-9985-d39c50d83c73" providerId="ADAL" clId="{EDCFDE51-983B-4FDD-97E5-25FF63C5004E}" dt="2022-04-14T04:22:02.605" v="140" actId="21"/>
-          <ac:picMkLst>
-            <pc:docMk/>
-            <pc:sldMk cId="962438491" sldId="274"/>
-            <ac:picMk id="1034" creationId="{629BEEBC-92C5-497A-BD36-885E12C86547}"/>
-          </ac:picMkLst>
-        </pc:picChg>
-        <pc:picChg chg="add del mod">
-          <ac:chgData name="Toby Donaldson" userId="2e6e5431-bb17-4c41-9985-d39c50d83c73" providerId="ADAL" clId="{EDCFDE51-983B-4FDD-97E5-25FF63C5004E}" dt="2022-04-14T04:22:10.622" v="143" actId="21"/>
-          <ac:picMkLst>
-            <pc:docMk/>
-            <pc:sldMk cId="962438491" sldId="274"/>
-            <ac:picMk id="1036" creationId="{7BC89D02-5E62-40AA-A5FC-220827C411C4}"/>
-          </ac:picMkLst>
-        </pc:picChg>
-        <pc:picChg chg="add del">
-          <ac:chgData name="Toby Donaldson" userId="2e6e5431-bb17-4c41-9985-d39c50d83c73" providerId="ADAL" clId="{EDCFDE51-983B-4FDD-97E5-25FF63C5004E}" dt="2022-04-14T04:22:30.921" v="145"/>
-          <ac:picMkLst>
-            <pc:docMk/>
-            <pc:sldMk cId="962438491" sldId="274"/>
-            <ac:picMk id="1038" creationId="{6CF754A3-3FE0-496B-BA5E-42231604C3EF}"/>
-          </ac:picMkLst>
-        </pc:picChg>
-        <pc:picChg chg="add del">
-          <ac:chgData name="Toby Donaldson" userId="2e6e5431-bb17-4c41-9985-d39c50d83c73" providerId="ADAL" clId="{EDCFDE51-983B-4FDD-97E5-25FF63C5004E}" dt="2022-04-14T04:22:59.960" v="147"/>
-          <ac:picMkLst>
-            <pc:docMk/>
-            <pc:sldMk cId="962438491" sldId="274"/>
-            <ac:picMk id="1040" creationId="{C0443BA5-FF5A-4C14-A6C1-30DC330E0370}"/>
-          </ac:picMkLst>
-        </pc:picChg>
-      </pc:sldChg>
-      <pc:sldChg chg="addSp modSp new mod modAnim">
-        <pc:chgData name="Toby Donaldson" userId="2e6e5431-bb17-4c41-9985-d39c50d83c73" providerId="ADAL" clId="{EDCFDE51-983B-4FDD-97E5-25FF63C5004E}" dt="2022-04-23T23:43:21.568" v="338" actId="20577"/>
-        <pc:sldMkLst>
-          <pc:docMk/>
-          <pc:sldMk cId="2446982689" sldId="275"/>
-        </pc:sldMkLst>
-        <pc:spChg chg="mod">
-          <ac:chgData name="Toby Donaldson" userId="2e6e5431-bb17-4c41-9985-d39c50d83c73" providerId="ADAL" clId="{EDCFDE51-983B-4FDD-97E5-25FF63C5004E}" dt="2022-04-23T23:43:21.568" v="338" actId="20577"/>
-          <ac:spMkLst>
-            <pc:docMk/>
-            <pc:sldMk cId="2446982689" sldId="275"/>
-            <ac:spMk id="2" creationId="{9E374E6F-0FF1-43DD-A06C-EF7571CCEA89}"/>
-          </ac:spMkLst>
-        </pc:spChg>
-        <pc:picChg chg="add mod">
-          <ac:chgData name="Toby Donaldson" userId="2e6e5431-bb17-4c41-9985-d39c50d83c73" providerId="ADAL" clId="{EDCFDE51-983B-4FDD-97E5-25FF63C5004E}" dt="2022-04-14T04:27:47.531" v="218" actId="1076"/>
-          <ac:picMkLst>
-            <pc:docMk/>
-            <pc:sldMk cId="2446982689" sldId="275"/>
-            <ac:picMk id="2050" creationId="{C7453A7F-640F-479A-865E-D328594C0BB3}"/>
-          </ac:picMkLst>
-        </pc:picChg>
-      </pc:sldChg>
-      <pc:sldChg chg="addSp modSp new mod modAnim">
-        <pc:chgData name="Toby Donaldson" userId="2e6e5431-bb17-4c41-9985-d39c50d83c73" providerId="ADAL" clId="{EDCFDE51-983B-4FDD-97E5-25FF63C5004E}" dt="2022-04-23T23:43:48.491" v="339"/>
-        <pc:sldMkLst>
-          <pc:docMk/>
-          <pc:sldMk cId="390346067" sldId="276"/>
-        </pc:sldMkLst>
-        <pc:spChg chg="mod">
-          <ac:chgData name="Toby Donaldson" userId="2e6e5431-bb17-4c41-9985-d39c50d83c73" providerId="ADAL" clId="{EDCFDE51-983B-4FDD-97E5-25FF63C5004E}" dt="2022-04-14T04:29:11.449" v="245" actId="20577"/>
-          <ac:spMkLst>
-            <pc:docMk/>
-            <pc:sldMk cId="390346067" sldId="276"/>
-            <ac:spMk id="2" creationId="{E7EFE3B9-A8FD-4AE1-B222-CF259E66F8E1}"/>
-          </ac:spMkLst>
-        </pc:spChg>
-        <pc:spChg chg="add mod">
-          <ac:chgData name="Toby Donaldson" userId="2e6e5431-bb17-4c41-9985-d39c50d83c73" providerId="ADAL" clId="{EDCFDE51-983B-4FDD-97E5-25FF63C5004E}" dt="2022-04-14T04:31:47.884" v="320" actId="20577"/>
-          <ac:spMkLst>
-            <pc:docMk/>
-            <pc:sldMk cId="390346067" sldId="276"/>
-            <ac:spMk id="3" creationId="{44141B78-E7ED-4D2B-B858-4927CEC46631}"/>
-          </ac:spMkLst>
-        </pc:spChg>
-        <pc:picChg chg="add mod">
-          <ac:chgData name="Toby Donaldson" userId="2e6e5431-bb17-4c41-9985-d39c50d83c73" providerId="ADAL" clId="{EDCFDE51-983B-4FDD-97E5-25FF63C5004E}" dt="2022-04-14T04:31:04.175" v="250" actId="1076"/>
-          <ac:picMkLst>
-            <pc:docMk/>
-            <pc:sldMk cId="390346067" sldId="276"/>
-            <ac:picMk id="3074" creationId="{ED48D2A1-A8F0-4421-8E7C-B34758DB1664}"/>
-          </ac:picMkLst>
-        </pc:picChg>
-      </pc:sldChg>
-      <pc:sldChg chg="addSp delSp modSp add mod modAnim">
-        <pc:chgData name="Toby Donaldson" userId="2e6e5431-bb17-4c41-9985-d39c50d83c73" providerId="ADAL" clId="{EDCFDE51-983B-4FDD-97E5-25FF63C5004E}" dt="2022-04-23T23:49:03.537" v="426"/>
-        <pc:sldMkLst>
-          <pc:docMk/>
-          <pc:sldMk cId="4198230947" sldId="277"/>
-        </pc:sldMkLst>
-        <pc:spChg chg="mod">
-          <ac:chgData name="Toby Donaldson" userId="2e6e5431-bb17-4c41-9985-d39c50d83c73" providerId="ADAL" clId="{EDCFDE51-983B-4FDD-97E5-25FF63C5004E}" dt="2022-04-23T23:46:08.853" v="374" actId="20577"/>
-          <ac:spMkLst>
-            <pc:docMk/>
-            <pc:sldMk cId="4198230947" sldId="277"/>
-            <ac:spMk id="2" creationId="{9E374E6F-0FF1-43DD-A06C-EF7571CCEA89}"/>
-          </ac:spMkLst>
-        </pc:spChg>
-        <pc:spChg chg="add mod">
-          <ac:chgData name="Toby Donaldson" userId="2e6e5431-bb17-4c41-9985-d39c50d83c73" providerId="ADAL" clId="{EDCFDE51-983B-4FDD-97E5-25FF63C5004E}" dt="2022-04-23T23:47:26.931" v="419" actId="20577"/>
-          <ac:spMkLst>
-            <pc:docMk/>
-            <pc:sldMk cId="4198230947" sldId="277"/>
-            <ac:spMk id="5" creationId="{8F75B901-2123-4EAE-9F0D-2187CE35C7C4}"/>
-          </ac:spMkLst>
-        </pc:spChg>
-        <pc:picChg chg="add mod">
-          <ac:chgData name="Toby Donaldson" userId="2e6e5431-bb17-4c41-9985-d39c50d83c73" providerId="ADAL" clId="{EDCFDE51-983B-4FDD-97E5-25FF63C5004E}" dt="2022-04-23T23:47:04.568" v="379" actId="1076"/>
-          <ac:picMkLst>
-            <pc:docMk/>
-            <pc:sldMk cId="4198230947" sldId="277"/>
-            <ac:picMk id="1026" creationId="{688D9953-FA34-4BD7-B2A8-BD81E65A7770}"/>
-          </ac:picMkLst>
-        </pc:picChg>
-        <pc:picChg chg="del">
-          <ac:chgData name="Toby Donaldson" userId="2e6e5431-bb17-4c41-9985-d39c50d83c73" providerId="ADAL" clId="{EDCFDE51-983B-4FDD-97E5-25FF63C5004E}" dt="2022-04-23T23:46:59.081" v="376" actId="21"/>
-          <ac:picMkLst>
-            <pc:docMk/>
-            <pc:sldMk cId="4198230947" sldId="277"/>
-            <ac:picMk id="2050" creationId="{C7453A7F-640F-479A-865E-D328594C0BB3}"/>
-          </ac:picMkLst>
-        </pc:picChg>
-      </pc:sldChg>
-      <pc:sldChg chg="addSp modSp mod">
-        <pc:chgData name="Toby Donaldson" userId="2e6e5431-bb17-4c41-9985-d39c50d83c73" providerId="ADAL" clId="{EDCFDE51-983B-4FDD-97E5-25FF63C5004E}" dt="2022-04-24T05:42:42.354" v="937" actId="114"/>
-        <pc:sldMkLst>
-          <pc:docMk/>
-          <pc:sldMk cId="598291729" sldId="278"/>
-        </pc:sldMkLst>
-        <pc:spChg chg="mod">
-          <ac:chgData name="Toby Donaldson" userId="2e6e5431-bb17-4c41-9985-d39c50d83c73" providerId="ADAL" clId="{EDCFDE51-983B-4FDD-97E5-25FF63C5004E}" dt="2022-04-24T05:42:33.147" v="935" actId="1076"/>
-          <ac:spMkLst>
-            <pc:docMk/>
-            <pc:sldMk cId="598291729" sldId="278"/>
-            <ac:spMk id="3" creationId="{8D326F70-6E73-48ED-853E-D802A1F7CD4A}"/>
-          </ac:spMkLst>
-        </pc:spChg>
-        <pc:spChg chg="mod">
-          <ac:chgData name="Toby Donaldson" userId="2e6e5431-bb17-4c41-9985-d39c50d83c73" providerId="ADAL" clId="{EDCFDE51-983B-4FDD-97E5-25FF63C5004E}" dt="2022-04-24T05:42:35.450" v="936" actId="1076"/>
-          <ac:spMkLst>
-            <pc:docMk/>
-            <pc:sldMk cId="598291729" sldId="278"/>
-            <ac:spMk id="4" creationId="{578C8077-C1D4-400C-BAE0-7AC48F397C35}"/>
-          </ac:spMkLst>
-        </pc:spChg>
-        <pc:spChg chg="mod">
-          <ac:chgData name="Toby Donaldson" userId="2e6e5431-bb17-4c41-9985-d39c50d83c73" providerId="ADAL" clId="{EDCFDE51-983B-4FDD-97E5-25FF63C5004E}" dt="2022-04-24T05:42:19.603" v="932" actId="12788"/>
-          <ac:spMkLst>
-            <pc:docMk/>
-            <pc:sldMk cId="598291729" sldId="278"/>
-            <ac:spMk id="7" creationId="{729F9EAB-E96A-4A13-B339-346BBE62D038}"/>
-          </ac:spMkLst>
-        </pc:spChg>
-        <pc:spChg chg="add mod">
-          <ac:chgData name="Toby Donaldson" userId="2e6e5431-bb17-4c41-9985-d39c50d83c73" providerId="ADAL" clId="{EDCFDE51-983B-4FDD-97E5-25FF63C5004E}" dt="2022-04-24T05:42:42.354" v="937" actId="114"/>
-          <ac:spMkLst>
-            <pc:docMk/>
-            <pc:sldMk cId="598291729" sldId="278"/>
-            <ac:spMk id="8" creationId="{4B2E5120-9846-4325-A51B-589BC6A79787}"/>
-          </ac:spMkLst>
-        </pc:spChg>
-        <pc:grpChg chg="mod">
-          <ac:chgData name="Toby Donaldson" userId="2e6e5431-bb17-4c41-9985-d39c50d83c73" providerId="ADAL" clId="{EDCFDE51-983B-4FDD-97E5-25FF63C5004E}" dt="2022-04-24T05:42:35.450" v="936" actId="1076"/>
-          <ac:grpSpMkLst>
-            <pc:docMk/>
-            <pc:sldMk cId="598291729" sldId="278"/>
-            <ac:grpSpMk id="2" creationId="{C7C7C6C7-9397-46B2-A2FF-C632EDA7C632}"/>
-          </ac:grpSpMkLst>
-        </pc:grpChg>
-        <pc:picChg chg="mod">
-          <ac:chgData name="Toby Donaldson" userId="2e6e5431-bb17-4c41-9985-d39c50d83c73" providerId="ADAL" clId="{EDCFDE51-983B-4FDD-97E5-25FF63C5004E}" dt="2022-04-24T05:42:19.603" v="932" actId="12788"/>
-          <ac:picMkLst>
-            <pc:docMk/>
-            <pc:sldMk cId="598291729" sldId="278"/>
-            <ac:picMk id="5" creationId="{2A3EA073-AB11-414C-9B52-4FAACFDEB101}"/>
-          </ac:picMkLst>
-        </pc:picChg>
-        <pc:picChg chg="mod">
-          <ac:chgData name="Toby Donaldson" userId="2e6e5431-bb17-4c41-9985-d39c50d83c73" providerId="ADAL" clId="{EDCFDE51-983B-4FDD-97E5-25FF63C5004E}" dt="2022-04-24T05:42:35.450" v="936" actId="1076"/>
-          <ac:picMkLst>
-            <pc:docMk/>
-            <pc:sldMk cId="598291729" sldId="278"/>
-            <ac:picMk id="2050" creationId="{D9EF78EA-B97C-4BC3-831F-ACE9C30B82C6}"/>
-          </ac:picMkLst>
-        </pc:picChg>
-      </pc:sldChg>
-      <pc:sldChg chg="add del">
-        <pc:chgData name="Toby Donaldson" userId="2e6e5431-bb17-4c41-9985-d39c50d83c73" providerId="ADAL" clId="{EDCFDE51-983B-4FDD-97E5-25FF63C5004E}" dt="2022-04-24T00:02:20.738" v="536" actId="2696"/>
-        <pc:sldMkLst>
-          <pc:docMk/>
-          <pc:sldMk cId="1740877424" sldId="278"/>
-        </pc:sldMkLst>
       </pc:sldChg>
     </pc:docChg>
   </pc:docChgLst>
@@ -2784,7 +2864,7 @@
           <a:p>
             <a:fld id="{C65E533D-5A30-424C-ADAA-EBA918E78813}" type="datetimeFigureOut">
               <a:rPr lang="en-AU" smtClean="0"/>
-              <a:t>21/05/2022</a:t>
+              <a:t>24/05/2022</a:t>
             </a:fld>
             <a:endParaRPr lang="en-AU"/>
           </a:p>
@@ -2984,7 +3064,7 @@
           <a:p>
             <a:fld id="{C65E533D-5A30-424C-ADAA-EBA918E78813}" type="datetimeFigureOut">
               <a:rPr lang="en-AU" smtClean="0"/>
-              <a:t>21/05/2022</a:t>
+              <a:t>24/05/2022</a:t>
             </a:fld>
             <a:endParaRPr lang="en-AU"/>
           </a:p>
@@ -3194,7 +3274,7 @@
           <a:p>
             <a:fld id="{C65E533D-5A30-424C-ADAA-EBA918E78813}" type="datetimeFigureOut">
               <a:rPr lang="en-AU" smtClean="0"/>
-              <a:t>21/05/2022</a:t>
+              <a:t>24/05/2022</a:t>
             </a:fld>
             <a:endParaRPr lang="en-AU"/>
           </a:p>
@@ -3394,7 +3474,7 @@
           <a:p>
             <a:fld id="{C65E533D-5A30-424C-ADAA-EBA918E78813}" type="datetimeFigureOut">
               <a:rPr lang="en-AU" smtClean="0"/>
-              <a:t>21/05/2022</a:t>
+              <a:t>24/05/2022</a:t>
             </a:fld>
             <a:endParaRPr lang="en-AU"/>
           </a:p>
@@ -3670,7 +3750,7 @@
           <a:p>
             <a:fld id="{C65E533D-5A30-424C-ADAA-EBA918E78813}" type="datetimeFigureOut">
               <a:rPr lang="en-AU" smtClean="0"/>
-              <a:t>21/05/2022</a:t>
+              <a:t>24/05/2022</a:t>
             </a:fld>
             <a:endParaRPr lang="en-AU"/>
           </a:p>
@@ -3938,7 +4018,7 @@
           <a:p>
             <a:fld id="{C65E533D-5A30-424C-ADAA-EBA918E78813}" type="datetimeFigureOut">
               <a:rPr lang="en-AU" smtClean="0"/>
-              <a:t>21/05/2022</a:t>
+              <a:t>24/05/2022</a:t>
             </a:fld>
             <a:endParaRPr lang="en-AU"/>
           </a:p>
@@ -4353,7 +4433,7 @@
           <a:p>
             <a:fld id="{C65E533D-5A30-424C-ADAA-EBA918E78813}" type="datetimeFigureOut">
               <a:rPr lang="en-AU" smtClean="0"/>
-              <a:t>21/05/2022</a:t>
+              <a:t>24/05/2022</a:t>
             </a:fld>
             <a:endParaRPr lang="en-AU"/>
           </a:p>
@@ -4495,7 +4575,7 @@
           <a:p>
             <a:fld id="{C65E533D-5A30-424C-ADAA-EBA918E78813}" type="datetimeFigureOut">
               <a:rPr lang="en-AU" smtClean="0"/>
-              <a:t>21/05/2022</a:t>
+              <a:t>24/05/2022</a:t>
             </a:fld>
             <a:endParaRPr lang="en-AU"/>
           </a:p>
@@ -4608,7 +4688,7 @@
           <a:p>
             <a:fld id="{C65E533D-5A30-424C-ADAA-EBA918E78813}" type="datetimeFigureOut">
               <a:rPr lang="en-AU" smtClean="0"/>
-              <a:t>21/05/2022</a:t>
+              <a:t>24/05/2022</a:t>
             </a:fld>
             <a:endParaRPr lang="en-AU"/>
           </a:p>
@@ -4921,7 +5001,7 @@
           <a:p>
             <a:fld id="{C65E533D-5A30-424C-ADAA-EBA918E78813}" type="datetimeFigureOut">
               <a:rPr lang="en-AU" smtClean="0"/>
-              <a:t>21/05/2022</a:t>
+              <a:t>24/05/2022</a:t>
             </a:fld>
             <a:endParaRPr lang="en-AU"/>
           </a:p>
@@ -5210,7 +5290,7 @@
           <a:p>
             <a:fld id="{C65E533D-5A30-424C-ADAA-EBA918E78813}" type="datetimeFigureOut">
               <a:rPr lang="en-AU" smtClean="0"/>
-              <a:t>21/05/2022</a:t>
+              <a:t>24/05/2022</a:t>
             </a:fld>
             <a:endParaRPr lang="en-AU"/>
           </a:p>
@@ -5453,7 +5533,7 @@
           <a:p>
             <a:fld id="{C65E533D-5A30-424C-ADAA-EBA918E78813}" type="datetimeFigureOut">
               <a:rPr lang="en-AU" smtClean="0"/>
-              <a:t>21/05/2022</a:t>
+              <a:t>24/05/2022</a:t>
             </a:fld>
             <a:endParaRPr lang="en-AU"/>
           </a:p>
@@ -9222,7 +9302,7 @@
         </p:nvSpPr>
         <p:spPr>
           <a:xfrm>
-            <a:off x="1358538" y="1697333"/>
+            <a:off x="1471272" y="1982298"/>
             <a:ext cx="9527176" cy="4268038"/>
           </a:xfrm>
           <a:prstGeom prst="rect">
@@ -9231,7 +9311,7 @@
         </p:spPr>
         <p:txBody>
           <a:bodyPr vert="horz" lIns="91440" tIns="45720" rIns="91440" bIns="45720" rtlCol="0">
-            <a:normAutofit fontScale="92500"/>
+            <a:normAutofit fontScale="92500" lnSpcReduction="10000"/>
           </a:bodyPr>
           <a:lstStyle>
             <a:lvl1pPr marL="228600" indent="-228600" algn="l" defTabSz="914400" rtl="0" eaLnBrk="1" latinLnBrk="0" hangingPunct="1">
@@ -9398,57 +9478,95 @@
             </a:lvl9pPr>
           </a:lstStyle>
           <a:p>
-            <a:r>
-              <a:rPr lang="en-CA" sz="4800" dirty="0"/>
-              <a:t>Canadian PM: </a:t>
-            </a:r>
-            <a:r>
-              <a:rPr lang="en-CA" sz="4800" b="1" dirty="0"/>
-              <a:t>Jean Chretien</a:t>
-            </a:r>
-          </a:p>
-          <a:p>
-            <a:r>
-              <a:rPr lang="en-CA" sz="4800" dirty="0"/>
-              <a:t>American President: </a:t>
-            </a:r>
-            <a:r>
-              <a:rPr lang="en-CA" sz="4800" b="1" dirty="0"/>
+            <a:pPr marL="0" indent="0">
+              <a:buNone/>
+            </a:pPr>
+            <a:r>
+              <a:rPr lang="en-CA" sz="3600" b="1" dirty="0"/>
+              <a:t>                               Jean Chretien</a:t>
+            </a:r>
+            <a:r>
+              <a:rPr lang="en-CA" sz="3600" dirty="0"/>
+              <a:t>: Canadian PM</a:t>
+            </a:r>
+          </a:p>
+          <a:p>
+            <a:pPr marL="0" indent="0">
+              <a:buNone/>
+            </a:pPr>
+            <a:r>
+              <a:rPr lang="en-CA" sz="3600" dirty="0"/>
+              <a:t>                               </a:t>
+            </a:r>
+            <a:r>
+              <a:rPr lang="en-CA" sz="3600" b="1" dirty="0"/>
               <a:t>Bill Clinton</a:t>
             </a:r>
-          </a:p>
-          <a:p>
-            <a:r>
-              <a:rPr lang="en-CA" sz="4800" b="1" dirty="0" err="1"/>
+            <a:r>
+              <a:rPr lang="en-CA" sz="3600" dirty="0"/>
+              <a:t>: American President</a:t>
+            </a:r>
+            <a:endParaRPr lang="en-CA" sz="3600" b="1" dirty="0"/>
+          </a:p>
+          <a:p>
+            <a:pPr marL="0" indent="0">
+              <a:buNone/>
+            </a:pPr>
+            <a:endParaRPr lang="en-CA" sz="3600" b="1" dirty="0"/>
+          </a:p>
+          <a:p>
+            <a:pPr marL="0" indent="0">
+              <a:buNone/>
+            </a:pPr>
+            <a:r>
+              <a:rPr lang="en-CA" sz="3600" b="1" dirty="0" err="1"/>
               <a:t>Dua</a:t>
             </a:r>
             <a:r>
-              <a:rPr lang="en-CA" sz="4800" b="1" dirty="0"/>
+              <a:rPr lang="en-CA" sz="3600" b="1" dirty="0"/>
               <a:t> Lipa </a:t>
             </a:r>
             <a:r>
-              <a:rPr lang="en-CA" sz="4800" dirty="0"/>
+              <a:rPr lang="en-CA" sz="3600" dirty="0"/>
               <a:t>and </a:t>
             </a:r>
             <a:r>
-              <a:rPr lang="en-CA" sz="4800" b="1" dirty="0"/>
+              <a:rPr lang="en-CA" sz="3600" b="1" dirty="0"/>
               <a:t>Post Malone </a:t>
             </a:r>
             <a:r>
-              <a:rPr lang="en-CA" sz="4800" dirty="0"/>
-              <a:t>where born</a:t>
-            </a:r>
-          </a:p>
-          <a:p>
-            <a:r>
-              <a:rPr lang="en-CA" sz="4800" dirty="0"/>
-              <a:t>DVDs were invented</a:t>
-            </a:r>
-          </a:p>
-          <a:p>
-            <a:r>
-              <a:rPr lang="en-CA" sz="4800" dirty="0"/>
-              <a:t>Starbucks introduced the Frappuccino</a:t>
+              <a:rPr lang="en-CA" sz="3600" dirty="0"/>
+              <a:t>born</a:t>
+            </a:r>
+          </a:p>
+          <a:p>
+            <a:pPr marL="0" indent="0">
+              <a:buNone/>
+            </a:pPr>
+            <a:endParaRPr lang="en-CA" sz="3600" dirty="0"/>
+          </a:p>
+          <a:p>
+            <a:pPr marL="0" indent="0">
+              <a:buNone/>
+            </a:pPr>
+            <a:r>
+              <a:rPr lang="en-CA" sz="3600" dirty="0"/>
+              <a:t>                 DVDs were invented</a:t>
+            </a:r>
+          </a:p>
+          <a:p>
+            <a:pPr marL="0" indent="0">
+              <a:buNone/>
+            </a:pPr>
+            <a:endParaRPr lang="en-CA" sz="3600" dirty="0"/>
+          </a:p>
+          <a:p>
+            <a:pPr marL="0" indent="0">
+              <a:buNone/>
+            </a:pPr>
+            <a:r>
+              <a:rPr lang="en-CA" sz="3600" dirty="0"/>
+              <a:t>                 Starbucks introduced the Frappuccino</a:t>
             </a:r>
           </a:p>
           <a:p>
@@ -9474,7 +9592,7 @@
         </p:nvSpPr>
         <p:spPr>
           <a:xfrm>
-            <a:off x="3482839" y="373894"/>
+            <a:off x="494242" y="286212"/>
             <a:ext cx="4858658" cy="1323439"/>
           </a:xfrm>
           <a:prstGeom prst="rect">
@@ -9505,6 +9623,282 @@
           </a:p>
         </p:txBody>
       </p:sp>
+      <p:pic>
+        <p:nvPicPr>
+          <p:cNvPr id="1026" name="Picture 2" descr="Jean Chretien, Quebec referendum, 1995 – Great Canadian Speeches">
+            <a:extLst>
+              <a:ext uri="{FF2B5EF4-FFF2-40B4-BE49-F238E27FC236}">
+                <a16:creationId xmlns:a16="http://schemas.microsoft.com/office/drawing/2014/main" id="{0A8AC247-F975-BABD-9782-1011B4AFE5A5}"/>
+              </a:ext>
+            </a:extLst>
+          </p:cNvPr>
+          <p:cNvPicPr>
+            <a:picLocks noChangeAspect="1" noChangeArrowheads="1"/>
+          </p:cNvPicPr>
+          <p:nvPr/>
+        </p:nvPicPr>
+        <p:blipFill>
+          <a:blip r:embed="rId2">
+            <a:extLst>
+              <a:ext uri="{28A0092B-C50C-407E-A947-70E740481C1C}">
+                <a14:useLocalDpi xmlns:a14="http://schemas.microsoft.com/office/drawing/2010/main" val="0"/>
+              </a:ext>
+            </a:extLst>
+          </a:blip>
+          <a:srcRect/>
+          <a:stretch>
+            <a:fillRect/>
+          </a:stretch>
+        </p:blipFill>
+        <p:spPr bwMode="auto">
+          <a:xfrm>
+            <a:off x="1377863" y="1721688"/>
+            <a:ext cx="1193576" cy="1503906"/>
+          </a:xfrm>
+          <a:prstGeom prst="rect">
+            <a:avLst/>
+          </a:prstGeom>
+          <a:noFill/>
+          <a:extLst>
+            <a:ext uri="{909E8E84-426E-40DD-AFC4-6F175D3DCCD1}">
+              <a14:hiddenFill xmlns:a14="http://schemas.microsoft.com/office/drawing/2010/main">
+                <a:solidFill>
+                  <a:srgbClr val="FFFFFF"/>
+                </a:solidFill>
+              </a14:hiddenFill>
+            </a:ext>
+          </a:extLst>
+        </p:spPr>
+      </p:pic>
+      <p:pic>
+        <p:nvPicPr>
+          <p:cNvPr id="1028" name="Picture 4" descr="Bill Clinton - Wikipedia">
+            <a:extLst>
+              <a:ext uri="{FF2B5EF4-FFF2-40B4-BE49-F238E27FC236}">
+                <a16:creationId xmlns:a16="http://schemas.microsoft.com/office/drawing/2014/main" id="{52C2A71D-FF03-C075-5074-72FA836116BE}"/>
+              </a:ext>
+            </a:extLst>
+          </p:cNvPr>
+          <p:cNvPicPr>
+            <a:picLocks noChangeAspect="1" noChangeArrowheads="1"/>
+          </p:cNvPicPr>
+          <p:nvPr/>
+        </p:nvPicPr>
+        <p:blipFill>
+          <a:blip r:embed="rId3">
+            <a:extLst>
+              <a:ext uri="{28A0092B-C50C-407E-A947-70E740481C1C}">
+                <a14:useLocalDpi xmlns:a14="http://schemas.microsoft.com/office/drawing/2010/main" val="0"/>
+              </a:ext>
+            </a:extLst>
+          </a:blip>
+          <a:srcRect/>
+          <a:stretch>
+            <a:fillRect/>
+          </a:stretch>
+        </p:blipFill>
+        <p:spPr bwMode="auto">
+          <a:xfrm>
+            <a:off x="3030867" y="1721688"/>
+            <a:ext cx="1158527" cy="1511578"/>
+          </a:xfrm>
+          <a:prstGeom prst="rect">
+            <a:avLst/>
+          </a:prstGeom>
+          <a:noFill/>
+          <a:extLst>
+            <a:ext uri="{909E8E84-426E-40DD-AFC4-6F175D3DCCD1}">
+              <a14:hiddenFill xmlns:a14="http://schemas.microsoft.com/office/drawing/2010/main">
+                <a:solidFill>
+                  <a:srgbClr val="FFFFFF"/>
+                </a:solidFill>
+              </a14:hiddenFill>
+            </a:ext>
+          </a:extLst>
+        </p:spPr>
+      </p:pic>
+      <p:pic>
+        <p:nvPicPr>
+          <p:cNvPr id="1030" name="Picture 6" descr="Dua Lipa - IMDb">
+            <a:extLst>
+              <a:ext uri="{FF2B5EF4-FFF2-40B4-BE49-F238E27FC236}">
+                <a16:creationId xmlns:a16="http://schemas.microsoft.com/office/drawing/2014/main" id="{E44ADBF0-025D-098F-13E0-FB01C16EAB94}"/>
+              </a:ext>
+            </a:extLst>
+          </p:cNvPr>
+          <p:cNvPicPr>
+            <a:picLocks noChangeAspect="1" noChangeArrowheads="1"/>
+          </p:cNvPicPr>
+          <p:nvPr/>
+        </p:nvPicPr>
+        <p:blipFill rotWithShape="1">
+          <a:blip r:embed="rId4">
+            <a:extLst>
+              <a:ext uri="{28A0092B-C50C-407E-A947-70E740481C1C}">
+                <a14:useLocalDpi xmlns:a14="http://schemas.microsoft.com/office/drawing/2010/main" val="0"/>
+              </a:ext>
+            </a:extLst>
+          </a:blip>
+          <a:srcRect t="5114" b="28676"/>
+          <a:stretch/>
+        </p:blipFill>
+        <p:spPr bwMode="auto">
+          <a:xfrm>
+            <a:off x="7381298" y="3217922"/>
+            <a:ext cx="1022047" cy="1288948"/>
+          </a:xfrm>
+          <a:prstGeom prst="rect">
+            <a:avLst/>
+          </a:prstGeom>
+          <a:noFill/>
+          <a:extLst>
+            <a:ext uri="{909E8E84-426E-40DD-AFC4-6F175D3DCCD1}">
+              <a14:hiddenFill xmlns:a14="http://schemas.microsoft.com/office/drawing/2010/main">
+                <a:solidFill>
+                  <a:srgbClr val="FFFFFF"/>
+                </a:solidFill>
+              </a14:hiddenFill>
+            </a:ext>
+          </a:extLst>
+        </p:spPr>
+      </p:pic>
+      <p:pic>
+        <p:nvPicPr>
+          <p:cNvPr id="1032" name="Picture 8" descr="List of awards and nominations received by Post Malone - Wikipedia">
+            <a:extLst>
+              <a:ext uri="{FF2B5EF4-FFF2-40B4-BE49-F238E27FC236}">
+                <a16:creationId xmlns:a16="http://schemas.microsoft.com/office/drawing/2014/main" id="{1AC057CC-8C87-60CA-6853-DA0404D59A02}"/>
+              </a:ext>
+            </a:extLst>
+          </p:cNvPr>
+          <p:cNvPicPr>
+            <a:picLocks noChangeAspect="1" noChangeArrowheads="1"/>
+          </p:cNvPicPr>
+          <p:nvPr/>
+        </p:nvPicPr>
+        <p:blipFill rotWithShape="1">
+          <a:blip r:embed="rId5">
+            <a:extLst>
+              <a:ext uri="{28A0092B-C50C-407E-A947-70E740481C1C}">
+                <a14:useLocalDpi xmlns:a14="http://schemas.microsoft.com/office/drawing/2010/main" val="0"/>
+              </a:ext>
+            </a:extLst>
+          </a:blip>
+          <a:srcRect l="14737" t="1918" r="13594" b="37764"/>
+          <a:stretch/>
+        </p:blipFill>
+        <p:spPr bwMode="auto">
+          <a:xfrm>
+            <a:off x="8683929" y="3233266"/>
+            <a:ext cx="1014596" cy="1281276"/>
+          </a:xfrm>
+          <a:prstGeom prst="rect">
+            <a:avLst/>
+          </a:prstGeom>
+          <a:noFill/>
+          <a:extLst>
+            <a:ext uri="{909E8E84-426E-40DD-AFC4-6F175D3DCCD1}">
+              <a14:hiddenFill xmlns:a14="http://schemas.microsoft.com/office/drawing/2010/main">
+                <a:solidFill>
+                  <a:srgbClr val="FFFFFF"/>
+                </a:solidFill>
+              </a14:hiddenFill>
+            </a:ext>
+          </a:extLst>
+        </p:spPr>
+      </p:pic>
+      <p:pic>
+        <p:nvPicPr>
+          <p:cNvPr id="1034" name="Picture 10" descr="DVD Player, HDMI &amp; RCA Connection, Region Free DVD Players for TV, with  Microphone/USB Input Design, NTSC/PAL System, Comes with HDMI &amp; RCA Cable  and Remote Control. : Amazon.ca: Electronics">
+            <a:extLst>
+              <a:ext uri="{FF2B5EF4-FFF2-40B4-BE49-F238E27FC236}">
+                <a16:creationId xmlns:a16="http://schemas.microsoft.com/office/drawing/2014/main" id="{EFE049C1-7337-A814-7835-36CC180E713D}"/>
+              </a:ext>
+            </a:extLst>
+          </p:cNvPr>
+          <p:cNvPicPr>
+            <a:picLocks noChangeAspect="1" noChangeArrowheads="1"/>
+          </p:cNvPicPr>
+          <p:nvPr/>
+        </p:nvPicPr>
+        <p:blipFill rotWithShape="1">
+          <a:blip r:embed="rId6">
+            <a:extLst>
+              <a:ext uri="{28A0092B-C50C-407E-A947-70E740481C1C}">
+                <a14:useLocalDpi xmlns:a14="http://schemas.microsoft.com/office/drawing/2010/main" val="0"/>
+              </a:ext>
+            </a:extLst>
+          </a:blip>
+          <a:srcRect b="37765"/>
+          <a:stretch/>
+        </p:blipFill>
+        <p:spPr bwMode="auto">
+          <a:xfrm>
+            <a:off x="1190688" y="4442800"/>
+            <a:ext cx="1825495" cy="932351"/>
+          </a:xfrm>
+          <a:prstGeom prst="rect">
+            <a:avLst/>
+          </a:prstGeom>
+          <a:noFill/>
+          <a:extLst>
+            <a:ext uri="{909E8E84-426E-40DD-AFC4-6F175D3DCCD1}">
+              <a14:hiddenFill xmlns:a14="http://schemas.microsoft.com/office/drawing/2010/main">
+                <a:solidFill>
+                  <a:srgbClr val="FFFFFF"/>
+                </a:solidFill>
+              </a14:hiddenFill>
+            </a:ext>
+          </a:extLst>
+        </p:spPr>
+      </p:pic>
+      <p:pic>
+        <p:nvPicPr>
+          <p:cNvPr id="1036" name="Picture 12" descr="Frappuccino® Blended Beverages: Starbucks Coffee Company">
+            <a:extLst>
+              <a:ext uri="{FF2B5EF4-FFF2-40B4-BE49-F238E27FC236}">
+                <a16:creationId xmlns:a16="http://schemas.microsoft.com/office/drawing/2014/main" id="{1B156609-7DF5-B4FF-7C8D-3A1924D9F0F3}"/>
+              </a:ext>
+            </a:extLst>
+          </p:cNvPr>
+          <p:cNvPicPr>
+            <a:picLocks noChangeAspect="1" noChangeArrowheads="1"/>
+          </p:cNvPicPr>
+          <p:nvPr/>
+        </p:nvPicPr>
+        <p:blipFill>
+          <a:blip r:embed="rId7">
+            <a:extLst>
+              <a:ext uri="{28A0092B-C50C-407E-A947-70E740481C1C}">
+                <a14:useLocalDpi xmlns:a14="http://schemas.microsoft.com/office/drawing/2010/main" val="0"/>
+              </a:ext>
+            </a:extLst>
+          </a:blip>
+          <a:srcRect/>
+          <a:stretch>
+            <a:fillRect/>
+          </a:stretch>
+        </p:blipFill>
+        <p:spPr bwMode="auto">
+          <a:xfrm flipH="1">
+            <a:off x="1653435" y="5715742"/>
+            <a:ext cx="1075453" cy="1075453"/>
+          </a:xfrm>
+          <a:prstGeom prst="rect">
+            <a:avLst/>
+          </a:prstGeom>
+          <a:noFill/>
+          <a:extLst>
+            <a:ext uri="{909E8E84-426E-40DD-AFC4-6F175D3DCCD1}">
+              <a14:hiddenFill xmlns:a14="http://schemas.microsoft.com/office/drawing/2010/main">
+                <a:solidFill>
+                  <a:srgbClr val="FFFFFF"/>
+                </a:solidFill>
+              </a14:hiddenFill>
+            </a:ext>
+          </a:extLst>
+        </p:spPr>
+      </p:pic>
     </p:spTree>
     <p:extLst>
       <p:ext uri="{BB962C8B-B14F-4D97-AF65-F5344CB8AC3E}">
